--- a/BDD.pptx
+++ b/BDD.pptx
@@ -6,10 +6,10 @@
     <p:sldMasterId id="2147483697" r:id="rId7"/>
   </p:sldMasterIdLst>
   <p:notesMasterIdLst>
-    <p:notesMasterId r:id="rId20"/>
+    <p:notesMasterId r:id="rId21"/>
   </p:notesMasterIdLst>
   <p:handoutMasterIdLst>
-    <p:handoutMasterId r:id="rId21"/>
+    <p:handoutMasterId r:id="rId22"/>
   </p:handoutMasterIdLst>
   <p:sldIdLst>
     <p:sldId id="264" r:id="rId8"/>
@@ -23,7 +23,8 @@
     <p:sldId id="272" r:id="rId16"/>
     <p:sldId id="273" r:id="rId17"/>
     <p:sldId id="274" r:id="rId18"/>
-    <p:sldId id="275" r:id="rId19"/>
+    <p:sldId id="276" r:id="rId19"/>
+    <p:sldId id="275" r:id="rId20"/>
   </p:sldIdLst>
   <p:sldSz cx="9144000" cy="6858000" type="screen4x3"/>
   <p:notesSz cx="7010400" cy="9296400"/>
@@ -165,10 +166,163 @@
 
 <file path=ppt/commentAuthors.xml><?xml version="1.0" encoding="utf-8"?>
 <p:cmAuthorLst xmlns:a="http://schemas.openxmlformats.org/drawingml/2006/main" xmlns:r="http://schemas.openxmlformats.org/officeDocument/2006/relationships" xmlns:p="http://schemas.openxmlformats.org/presentationml/2006/main">
+  <p:cmAuthor id="7" name="Microsoft Office User" initials="Office [5]" lastIdx="1" clrIdx="6">
+    <p:extLst>
+      <p:ext uri="{19B8F6BF-5375-455C-9EA6-DF929625EA0E}">
+        <p15:presenceInfo xmlns:p15="http://schemas.microsoft.com/office/powerpoint/2012/main" userId="" providerId=""/>
+      </p:ext>
+    </p:extLst>
+  </p:cmAuthor>
   <p:cmAuthor id="1" name="Russell Holman" initials="RH" lastIdx="2" clrIdx="0">
     <p:extLst/>
   </p:cmAuthor>
+  <p:cmAuthor id="2" name="Vijaya Kokkili" initials="VK" lastIdx="6" clrIdx="1">
+    <p:extLst/>
+  </p:cmAuthor>
+  <p:cmAuthor id="3" name="Microsoft Office User" initials="Office" lastIdx="1" clrIdx="2">
+    <p:extLst>
+      <p:ext uri="{19B8F6BF-5375-455C-9EA6-DF929625EA0E}">
+        <p15:presenceInfo xmlns:p15="http://schemas.microsoft.com/office/powerpoint/2012/main" userId="" providerId=""/>
+      </p:ext>
+    </p:extLst>
+  </p:cmAuthor>
+  <p:cmAuthor id="4" name="Microsoft Office User" initials="Office [2]" lastIdx="1" clrIdx="3">
+    <p:extLst>
+      <p:ext uri="{19B8F6BF-5375-455C-9EA6-DF929625EA0E}">
+        <p15:presenceInfo xmlns:p15="http://schemas.microsoft.com/office/powerpoint/2012/main" userId="" providerId=""/>
+      </p:ext>
+    </p:extLst>
+  </p:cmAuthor>
+  <p:cmAuthor id="5" name="Microsoft Office User" initials="Office [3]" lastIdx="1" clrIdx="4">
+    <p:extLst>
+      <p:ext uri="{19B8F6BF-5375-455C-9EA6-DF929625EA0E}">
+        <p15:presenceInfo xmlns:p15="http://schemas.microsoft.com/office/powerpoint/2012/main" userId="" providerId=""/>
+      </p:ext>
+    </p:extLst>
+  </p:cmAuthor>
+  <p:cmAuthor id="6" name="Microsoft Office User" initials="Office [4]" lastIdx="1" clrIdx="5">
+    <p:extLst>
+      <p:ext uri="{19B8F6BF-5375-455C-9EA6-DF929625EA0E}">
+        <p15:presenceInfo xmlns:p15="http://schemas.microsoft.com/office/powerpoint/2012/main" userId="" providerId=""/>
+      </p:ext>
+    </p:extLst>
+  </p:cmAuthor>
 </p:cmAuthorLst>
+</file>
+
+<file path=ppt/comments/comment1.xml><?xml version="1.0" encoding="utf-8"?>
+<p:cmLst xmlns:a="http://schemas.openxmlformats.org/drawingml/2006/main" xmlns:r="http://schemas.openxmlformats.org/officeDocument/2006/relationships" xmlns:p="http://schemas.openxmlformats.org/presentationml/2006/main">
+  <p:cm authorId="2" dt="2016-06-09T11:48:54.012" idx="3">
+    <p:pos x="5060" y="1163"/>
+    <p:text>typo</p:text>
+    <p:extLst>
+      <p:ext uri="{C676402C-5697-4E1C-873F-D02D1690AC5C}">
+        <p15:threadingInfo xmlns:p15="http://schemas.microsoft.com/office/powerpoint/2012/main" timeZoneBias="240"/>
+      </p:ext>
+    </p:extLst>
+  </p:cm>
+  <p:cm authorId="5" dt="2016-06-09T13:10:50.357" idx="1">
+    <p:pos x="5060" y="1259"/>
+    <p:text>fix'd</p:text>
+    <p:extLst>
+      <p:ext uri="{C676402C-5697-4E1C-873F-D02D1690AC5C}">
+        <p15:threadingInfo xmlns:p15="http://schemas.microsoft.com/office/powerpoint/2012/main" timeZoneBias="240">
+          <p15:parentCm authorId="2" idx="3"/>
+        </p15:threadingInfo>
+      </p:ext>
+    </p:extLst>
+  </p:cm>
+  <p:cm authorId="2" dt="2016-06-09T11:50:11.831" idx="5">
+    <p:pos x="655" y="994"/>
+    <p:text>Talk about what the common reasons for projects to fail. requirements changing often, miscommunication, incorrect test written, not understanding business usage of software...</p:text>
+    <p:extLst>
+      <p:ext uri="{C676402C-5697-4E1C-873F-D02D1690AC5C}">
+        <p15:threadingInfo xmlns:p15="http://schemas.microsoft.com/office/powerpoint/2012/main" timeZoneBias="240"/>
+      </p:ext>
+    </p:extLst>
+  </p:cm>
+  <p:cm authorId="7" dt="2016-06-09T13:28:44.197" idx="1">
+    <p:pos x="655" y="1090"/>
+    <p:text>Re-worded some stuff in the slide, but these points will definitely be called out in the presentation.</p:text>
+    <p:extLst>
+      <p:ext uri="{C676402C-5697-4E1C-873F-D02D1690AC5C}">
+        <p15:threadingInfo xmlns:p15="http://schemas.microsoft.com/office/powerpoint/2012/main" timeZoneBias="240">
+          <p15:parentCm authorId="2" idx="5"/>
+        </p15:threadingInfo>
+      </p:ext>
+    </p:extLst>
+  </p:cm>
+</p:cmLst>
+</file>
+
+<file path=ppt/comments/comment2.xml><?xml version="1.0" encoding="utf-8"?>
+<p:cmLst xmlns:a="http://schemas.openxmlformats.org/drawingml/2006/main" xmlns:r="http://schemas.openxmlformats.org/officeDocument/2006/relationships" xmlns:p="http://schemas.openxmlformats.org/presentationml/2006/main">
+  <p:cm authorId="2" dt="2016-06-09T11:49:20.839" idx="4">
+    <p:pos x="2016" y="1954"/>
+    <p:text>probably worth mentioning Gherkin language here?</p:text>
+    <p:extLst>
+      <p:ext uri="{C676402C-5697-4E1C-873F-D02D1690AC5C}">
+        <p15:threadingInfo xmlns:p15="http://schemas.microsoft.com/office/powerpoint/2012/main" timeZoneBias="240"/>
+      </p:ext>
+    </p:extLst>
+  </p:cm>
+  <p:cm authorId="6" dt="2016-06-09T13:26:25.682" idx="1">
+    <p:pos x="2016" y="2050"/>
+    <p:text>Added</p:text>
+    <p:extLst>
+      <p:ext uri="{C676402C-5697-4E1C-873F-D02D1690AC5C}">
+        <p15:threadingInfo xmlns:p15="http://schemas.microsoft.com/office/powerpoint/2012/main" timeZoneBias="240">
+          <p15:parentCm authorId="2" idx="4"/>
+        </p15:threadingInfo>
+      </p:ext>
+    </p:extLst>
+  </p:cm>
+</p:cmLst>
+</file>
+
+<file path=ppt/comments/comment3.xml><?xml version="1.0" encoding="utf-8"?>
+<p:cmLst xmlns:a="http://schemas.openxmlformats.org/drawingml/2006/main" xmlns:r="http://schemas.openxmlformats.org/officeDocument/2006/relationships" xmlns:p="http://schemas.openxmlformats.org/presentationml/2006/main">
+  <p:cm authorId="2" dt="2016-06-09T11:47:05.598" idx="1">
+    <p:pos x="3925" y="2214"/>
+    <p:text>Also, since BDD depends on precise requirements, a system which depends on too many variables, will not result in a readable test</p:text>
+    <p:extLst>
+      <p:ext uri="{C676402C-5697-4E1C-873F-D02D1690AC5C}">
+        <p15:threadingInfo xmlns:p15="http://schemas.microsoft.com/office/powerpoint/2012/main" timeZoneBias="240"/>
+      </p:ext>
+    </p:extLst>
+  </p:cm>
+  <p:cm authorId="3" dt="2016-06-09T13:10:07.529" idx="1">
+    <p:pos x="3925" y="2310"/>
+    <p:text>Added.</p:text>
+    <p:extLst>
+      <p:ext uri="{C676402C-5697-4E1C-873F-D02D1690AC5C}">
+        <p15:threadingInfo xmlns:p15="http://schemas.microsoft.com/office/powerpoint/2012/main" timeZoneBias="240">
+          <p15:parentCm authorId="2" idx="1"/>
+        </p15:threadingInfo>
+      </p:ext>
+    </p:extLst>
+  </p:cm>
+  <p:cm authorId="2" dt="2016-06-09T11:53:13.682" idx="6">
+    <p:pos x="627" y="887"/>
+    <p:text>Talk about pros of BDD: encourages clear communication between stakeholders, requirements are vetted to granual level upfront, immideate feedback upfront, working on feature level</p:text>
+    <p:extLst>
+      <p:ext uri="{C676402C-5697-4E1C-873F-D02D1690AC5C}">
+        <p15:threadingInfo xmlns:p15="http://schemas.microsoft.com/office/powerpoint/2012/main" timeZoneBias="240"/>
+      </p:ext>
+    </p:extLst>
+  </p:cm>
+  <p:cm authorId="4" dt="2016-06-09T13:10:28.691" idx="1">
+    <p:pos x="627" y="983"/>
+    <p:text>Added slide for the pros of using BDD</p:text>
+    <p:extLst>
+      <p:ext uri="{C676402C-5697-4E1C-873F-D02D1690AC5C}">
+        <p15:threadingInfo xmlns:p15="http://schemas.microsoft.com/office/powerpoint/2012/main" timeZoneBias="240">
+          <p15:parentCm authorId="2" idx="6"/>
+        </p15:threadingInfo>
+      </p:ext>
+    </p:extLst>
+  </p:cm>
+</p:cmLst>
 </file>
 
 <file path=ppt/handoutMasters/handoutMaster1.xml><?xml version="1.0" encoding="utf-8"?>
@@ -3478,8 +3632,23 @@
             </a:pPr>
             <a:r>
               <a:rPr lang="en-US" dirty="0" smtClean="0"/>
-              <a:t>It can be hard to adapt a legacy application to use BDD due to the effort 	required to translate requirements into feature files.</a:t>
-            </a:r>
+              <a:t>It can be hard to adapt a legacy application to use BDD due to the effort 	required to translate requirements into feature files</a:t>
+            </a:r>
+            <a:r>
+              <a:rPr lang="en-US" dirty="0" smtClean="0"/>
+              <a:t>.</a:t>
+            </a:r>
+          </a:p>
+          <a:p>
+            <a:pPr marL="285750" indent="-285750">
+              <a:buFont typeface="Arial" charset="0"/>
+              <a:buChar char="•"/>
+            </a:pPr>
+            <a:r>
+              <a:rPr lang="en-US" dirty="0" smtClean="0"/>
+              <a:t>Due to the format in which BDD features are written, systems that require 	extensive configuration may result in unmanageable feature files.</a:t>
+            </a:r>
+            <a:endParaRPr lang="en-US" dirty="0" smtClean="0"/>
           </a:p>
           <a:p>
             <a:pPr marL="285750" indent="-285750">
@@ -3511,6 +3680,143 @@
 </file>
 
 <file path=ppt/slides/slide12.xml><?xml version="1.0" encoding="utf-8"?>
+<p:sld xmlns:a="http://schemas.openxmlformats.org/drawingml/2006/main" xmlns:r="http://schemas.openxmlformats.org/officeDocument/2006/relationships" xmlns:p="http://schemas.openxmlformats.org/presentationml/2006/main">
+  <p:cSld>
+    <p:spTree>
+      <p:nvGrpSpPr>
+        <p:cNvPr id="1" name=""/>
+        <p:cNvGrpSpPr/>
+        <p:nvPr/>
+      </p:nvGrpSpPr>
+      <p:grpSpPr>
+        <a:xfrm>
+          <a:off x="0" y="0"/>
+          <a:ext cx="0" cy="0"/>
+          <a:chOff x="0" y="0"/>
+          <a:chExt cx="0" cy="0"/>
+        </a:xfrm>
+      </p:grpSpPr>
+      <p:sp>
+        <p:nvSpPr>
+          <p:cNvPr id="2" name="Title 1"/>
+          <p:cNvSpPr>
+            <a:spLocks noGrp="1"/>
+          </p:cNvSpPr>
+          <p:nvPr>
+            <p:ph type="title"/>
+          </p:nvPr>
+        </p:nvSpPr>
+        <p:spPr/>
+        <p:txBody>
+          <a:bodyPr/>
+          <a:lstStyle/>
+          <a:p>
+            <a:r>
+              <a:rPr lang="en-US" dirty="0" smtClean="0"/>
+              <a:t>Benefits of BDD</a:t>
+            </a:r>
+            <a:endParaRPr lang="en-US" dirty="0"/>
+          </a:p>
+        </p:txBody>
+      </p:sp>
+      <p:sp>
+        <p:nvSpPr>
+          <p:cNvPr id="3" name="Text Placeholder 2"/>
+          <p:cNvSpPr>
+            <a:spLocks noGrp="1"/>
+          </p:cNvSpPr>
+          <p:nvPr>
+            <p:ph type="body" sz="quarter" idx="12"/>
+          </p:nvPr>
+        </p:nvSpPr>
+        <p:spPr>
+          <a:xfrm>
+            <a:off x="457200" y="1366179"/>
+            <a:ext cx="8229600" cy="4827791"/>
+          </a:xfrm>
+        </p:spPr>
+        <p:txBody>
+          <a:bodyPr/>
+          <a:lstStyle/>
+          <a:p>
+            <a:pPr marL="285750" indent="-285750">
+              <a:buFont typeface="Arial" charset="0"/>
+              <a:buChar char="•"/>
+            </a:pPr>
+            <a:r>
+              <a:rPr lang="en-US" dirty="0" smtClean="0"/>
+              <a:t>Requirements are analyzed very carefully throughout the project.</a:t>
+            </a:r>
+          </a:p>
+          <a:p>
+            <a:pPr marL="285750" indent="-285750">
+              <a:buFont typeface="Arial" charset="0"/>
+              <a:buChar char="•"/>
+            </a:pPr>
+            <a:r>
+              <a:rPr lang="en-US" dirty="0" smtClean="0"/>
+              <a:t>Application features are built to meet the requirements. </a:t>
+            </a:r>
+          </a:p>
+          <a:p>
+            <a:pPr marL="1028700" lvl="1">
+              <a:buFont typeface="Arial" charset="0"/>
+              <a:buChar char="•"/>
+            </a:pPr>
+            <a:r>
+              <a:rPr lang="en-US" dirty="0" smtClean="0"/>
+              <a:t>No </a:t>
+            </a:r>
+            <a:r>
+              <a:rPr lang="en-US" dirty="0"/>
+              <a:t>extraneous features that no one asked for.</a:t>
+            </a:r>
+          </a:p>
+          <a:p>
+            <a:pPr marL="285750" indent="-285750">
+              <a:buFont typeface="Arial" charset="0"/>
+              <a:buChar char="•"/>
+            </a:pPr>
+            <a:r>
+              <a:rPr lang="en-US" dirty="0" smtClean="0"/>
+              <a:t>Stakeholders can determine the completeness of a project by seeing how 	many features are fulfilled.</a:t>
+            </a:r>
+            <a:endParaRPr lang="en-US" dirty="0"/>
+          </a:p>
+          <a:p>
+            <a:pPr marL="285750" indent="-285750">
+              <a:buFont typeface="Arial" charset="0"/>
+              <a:buChar char="•"/>
+            </a:pPr>
+            <a:r>
+              <a:rPr lang="en-US" dirty="0" smtClean="0"/>
+              <a:t>The team has “executable requirements” to show that not only does their application do something correctly, it does the </a:t>
+            </a:r>
+            <a:r>
+              <a:rPr lang="en-US" i="1" dirty="0" smtClean="0"/>
+              <a:t>right </a:t>
+            </a:r>
+            <a:r>
+              <a:rPr lang="en-US" dirty="0" smtClean="0"/>
+              <a:t>thing correctly.</a:t>
+            </a:r>
+          </a:p>
+        </p:txBody>
+      </p:sp>
+    </p:spTree>
+    <p:extLst>
+      <p:ext uri="{BB962C8B-B14F-4D97-AF65-F5344CB8AC3E}">
+        <p14:creationId xmlns:p14="http://schemas.microsoft.com/office/powerpoint/2010/main" val="389926871"/>
+      </p:ext>
+    </p:extLst>
+  </p:cSld>
+  <p:clrMapOvr>
+    <a:masterClrMapping/>
+  </p:clrMapOvr>
+</p:sld>
+</file>
+
+<file path=ppt/slides/slide13.xml><?xml version="1.0" encoding="utf-8"?>
 <p:sld xmlns:a="http://schemas.openxmlformats.org/drawingml/2006/main" xmlns:r="http://schemas.openxmlformats.org/officeDocument/2006/relationships" xmlns:p="http://schemas.openxmlformats.org/presentationml/2006/main">
   <p:cSld>
     <p:spTree>
@@ -3876,12 +4182,33 @@
             </a:pPr>
             <a:r>
               <a:rPr lang="en-US" dirty="0"/>
-              <a:t>Behavior Driven Development (BDD) is a software development process that uses the principles of Test Driven Design (TDD) to provide the the business and technical sides of a team a shared process to create </a:t>
+              <a:t>Behavior Driven Development (BDD) is a software development </a:t>
+            </a:r>
+            <a:r>
+              <a:rPr lang="en-US" dirty="0" err="1" smtClean="0"/>
+              <a:t>processthat</a:t>
+            </a:r>
+            <a:r>
+              <a:rPr lang="en-US" dirty="0" smtClean="0"/>
+              <a:t> </a:t>
+            </a:r>
+            <a:r>
+              <a:rPr lang="en-US" dirty="0"/>
+              <a:t>uses the principles of Test Driven Design (TDD) to provide </a:t>
+            </a:r>
+            <a:r>
+              <a:rPr lang="en-US" dirty="0" smtClean="0"/>
+              <a:t>the business </a:t>
+            </a:r>
+            <a:r>
+              <a:rPr lang="en-US" dirty="0"/>
+              <a:t>and technical sides of a team a shared process to create </a:t>
             </a:r>
             <a:r>
               <a:rPr lang="en-US" dirty="0" smtClean="0"/>
               <a:t>software.</a:t>
             </a:r>
+            <a:endParaRPr lang="en-US" dirty="0"/>
           </a:p>
           <a:p>
             <a:pPr marL="342900" lvl="0" indent="-342900" defTabSz="914400" eaLnBrk="1" fontAlgn="auto" hangingPunct="1">
@@ -3897,10 +4224,10 @@
               <a:buFont typeface="Arial" charset="0"/>
               <a:buChar char="•"/>
             </a:pPr>
-            <a:endParaRPr lang="en-US" dirty="0"/>
-          </a:p>
-          <a:p>
-            <a:pPr marL="342900" lvl="0" indent="-342900" defTabSz="914400" eaLnBrk="1" fontAlgn="auto" hangingPunct="1">
+            <a:endParaRPr lang="en-US" dirty="0" smtClean="0"/>
+          </a:p>
+          <a:p>
+            <a:pPr marL="342900" indent="-342900" defTabSz="914400" eaLnBrk="1" fontAlgn="auto" hangingPunct="1">
               <a:lnSpc>
                 <a:spcPct val="100000"/>
               </a:lnSpc>
@@ -3914,8 +4241,29 @@
               <a:buChar char="•"/>
             </a:pPr>
             <a:r>
-              <a:rPr lang="en-US" dirty="0" smtClean="0"/>
-              <a:t>BDD places a heavy emphasis on collaboration between the business and technical sides of a team.</a:t>
+              <a:rPr lang="en-US" dirty="0"/>
+              <a:t>The idea of BDD </a:t>
+            </a:r>
+            <a:r>
+              <a:rPr lang="en-US" dirty="0" smtClean="0"/>
+              <a:t>is to have tests that are based completely off of the business requirements. </a:t>
+            </a:r>
+            <a:endParaRPr lang="en-US" dirty="0"/>
+          </a:p>
+          <a:p>
+            <a:pPr marL="1085850" lvl="1" indent="-342900" defTabSz="914400" eaLnBrk="1" fontAlgn="auto" hangingPunct="1">
+              <a:spcBef>
+                <a:spcPts val="0"/>
+              </a:spcBef>
+              <a:spcAft>
+                <a:spcPts val="0"/>
+              </a:spcAft>
+              <a:buFont typeface="Arial" charset="0"/>
+              <a:buChar char="•"/>
+            </a:pPr>
+            <a:r>
+              <a:rPr lang="en-US" dirty="0" smtClean="0"/>
+              <a:t>This requires close collaboration between the business and technical sides of the team, which leads to better understanding of the system for the entire team.</a:t>
             </a:r>
           </a:p>
           <a:p>
@@ -4051,11 +4399,31 @@
             </a:pPr>
             <a:r>
               <a:rPr lang="en-US" dirty="0" smtClean="0"/>
-              <a:t>Feature File – A file containing the requirements for the application. Written 	in readable </a:t>
-            </a:r>
-            <a:r>
-              <a:rPr lang="en-US" smtClean="0"/>
-              <a:t>language.</a:t>
+              <a:t>Feature File – A file containing the requirements for the application. Written 	in readable language</a:t>
+            </a:r>
+            <a:r>
+              <a:rPr lang="en-US" dirty="0" smtClean="0"/>
+              <a:t>.</a:t>
+            </a:r>
+          </a:p>
+          <a:p>
+            <a:pPr marL="285750" indent="-285750">
+              <a:buFont typeface="Arial" charset="0"/>
+              <a:buChar char="•"/>
+            </a:pPr>
+            <a:r>
+              <a:rPr lang="en-US" dirty="0" smtClean="0"/>
+              <a:t>Gherkin – a specially formatted and very readable language that feature files 	are typically written in.</a:t>
+            </a:r>
+          </a:p>
+          <a:p>
+            <a:pPr marL="1028700" lvl="1">
+              <a:buFont typeface="Arial" charset="0"/>
+              <a:buChar char="•"/>
+            </a:pPr>
+            <a:r>
+              <a:rPr lang="en-US" dirty="0" smtClean="0"/>
+              <a:t>Given, When, Then format</a:t>
             </a:r>
             <a:endParaRPr lang="en-US" dirty="0"/>
           </a:p>
@@ -4384,31 +4752,7 @@
           <a:p>
             <a:r>
               <a:rPr lang="en-US" dirty="0" smtClean="0"/>
-              <a:t>Product Manager: </a:t>
-            </a:r>
-            <a:r>
-              <a:rPr lang="en-US" dirty="0" smtClean="0"/>
-              <a:t>“I checked in the </a:t>
-            </a:r>
-            <a:r>
-              <a:rPr lang="en-US" dirty="0" smtClean="0"/>
-              <a:t>feature file with the form’s </a:t>
-            </a:r>
-            <a:r>
-              <a:rPr lang="en-US" dirty="0" smtClean="0"/>
-              <a:t>length </a:t>
-            </a:r>
-            <a:r>
-              <a:rPr lang="en-US" dirty="0" smtClean="0"/>
-              <a:t>validation </a:t>
-            </a:r>
-            <a:r>
-              <a:rPr lang="en-US" dirty="0" smtClean="0"/>
-              <a:t>	requirements</a:t>
-            </a:r>
-            <a:r>
-              <a:rPr lang="en-US" dirty="0" smtClean="0"/>
-              <a:t>.”</a:t>
+              <a:t>Product Manager: “I checked in the feature file with the form’s length validation 	requirements.”</a:t>
             </a:r>
           </a:p>
           <a:p>
@@ -4545,27 +4889,14 @@
             </a:r>
             <a:r>
               <a:rPr lang="en-US" dirty="0" smtClean="0"/>
-              <a:t>. </a:t>
-            </a:r>
-            <a:r>
-              <a:rPr lang="en-US" dirty="0" smtClean="0"/>
-              <a:t>I’ll update </a:t>
-            </a:r>
-            <a:r>
-              <a:rPr lang="en-US" dirty="0" smtClean="0"/>
-              <a:t>the feature file to 	reflect this changed requirement.”</a:t>
-            </a:r>
-          </a:p>
-          <a:p>
-            <a:r>
-              <a:rPr lang="en-US" dirty="0" smtClean="0"/>
-              <a:t>Tester: “Perfect! The test pulls in the field length value from the feature file. So 	the test </a:t>
-            </a:r>
-            <a:r>
-              <a:rPr lang="en-US" dirty="0" smtClean="0"/>
-              <a:t>doesn’t need to be modified.”</a:t>
-            </a:r>
-            <a:endParaRPr lang="en-US" dirty="0" smtClean="0"/>
+              <a:t>. I’ll update the feature file to 	reflect this changed requirement.”</a:t>
+            </a:r>
+          </a:p>
+          <a:p>
+            <a:r>
+              <a:rPr lang="en-US" dirty="0" smtClean="0"/>
+              <a:t>Tester: “Perfect! The test pulls in the field length value from the feature file. So 	the test doesn’t need to be modified.”</a:t>
+            </a:r>
           </a:p>
           <a:p>
             <a:r>
@@ -4666,7 +4997,31 @@
             </a:pPr>
             <a:r>
               <a:rPr lang="en-US" dirty="0" smtClean="0"/>
-              <a:t>In both scenarios, the team successfully covered their requirement with an automated test, but in the BDD scenario, much less time was spent updating tests. Also, a technical member of the team was not needed to update the test.</a:t>
+              <a:t>In both scenarios, the team successfully covered their requirement with an </a:t>
+            </a:r>
+            <a:r>
+              <a:rPr lang="en-US" dirty="0" smtClean="0"/>
+              <a:t>	automated </a:t>
+            </a:r>
+            <a:r>
+              <a:rPr lang="en-US" dirty="0" smtClean="0"/>
+              <a:t>test, but in the BDD scenario, much less time was spent </a:t>
+            </a:r>
+            <a:r>
+              <a:rPr lang="en-US" dirty="0" smtClean="0"/>
+              <a:t>	updating </a:t>
+            </a:r>
+            <a:r>
+              <a:rPr lang="en-US" dirty="0" smtClean="0"/>
+              <a:t>tests. Also, a technical member of the team was not needed to </a:t>
+            </a:r>
+            <a:r>
+              <a:rPr lang="en-US" dirty="0" smtClean="0"/>
+              <a:t>	update </a:t>
+            </a:r>
+            <a:r>
+              <a:rPr lang="en-US" dirty="0" smtClean="0"/>
+              <a:t>the test.</a:t>
             </a:r>
           </a:p>
           <a:p>
@@ -4676,7 +5031,31 @@
             </a:pPr>
             <a:r>
               <a:rPr lang="en-US" dirty="0" smtClean="0"/>
-              <a:t>In the BDD scenario the TDD philosophy of update the test, watch it fail, make it pass is followed. In the regular scenario the unmodified test will continue to pass until the application is updated to match the new requirement.</a:t>
+              <a:t>In the BDD scenario the TDD philosophy of update the test, watch it fail, </a:t>
+            </a:r>
+            <a:r>
+              <a:rPr lang="en-US" dirty="0" smtClean="0"/>
+              <a:t>	make </a:t>
+            </a:r>
+            <a:r>
+              <a:rPr lang="en-US" dirty="0" smtClean="0"/>
+              <a:t>it pass is followed. In the regular scenario the unmodified test will </a:t>
+            </a:r>
+            <a:r>
+              <a:rPr lang="en-US" dirty="0" smtClean="0"/>
+              <a:t>	continue </a:t>
+            </a:r>
+            <a:r>
+              <a:rPr lang="en-US" dirty="0" smtClean="0"/>
+              <a:t>to pass until the application is updated to match the new </a:t>
+            </a:r>
+            <a:r>
+              <a:rPr lang="en-US" dirty="0" smtClean="0"/>
+              <a:t>	requirement</a:t>
+            </a:r>
+            <a:r>
+              <a:rPr lang="en-US" dirty="0" smtClean="0"/>
+              <a:t>.</a:t>
             </a:r>
           </a:p>
           <a:p>
@@ -6047,6 +6426,16 @@
 </file>
 
 <file path=customXml/item2.xml><?xml version="1.0" encoding="utf-8"?>
+<LongProperties xmlns="http://schemas.microsoft.com/office/2006/metadata/longProperties"/>
+</file>
+
+<file path=customXml/item3.xml><?xml version="1.0" encoding="utf-8"?>
+<p:properties xmlns:p="http://schemas.microsoft.com/office/2006/metadata/properties" xmlns:xsi="http://www.w3.org/2001/XMLSchema-instance" xmlns:pc="http://schemas.microsoft.com/office/infopath/2007/PartnerControls">
+  <documentManagement/>
+</p:properties>
+</file>
+
+<file path=customXml/item4.xml><?xml version="1.0" encoding="utf-8"?>
 <ct:contentTypeSchema xmlns:ct="http://schemas.microsoft.com/office/2006/metadata/contentType" xmlns:ma="http://schemas.microsoft.com/office/2006/metadata/properties/metaAttributes" ct:_="" ma:_="" ma:contentTypeName="Document" ma:contentTypeID="0x01010074B7DA87A37FAC458A03F3EF817E4C75" ma:contentTypeVersion="0" ma:contentTypeDescription="Create a new document." ma:contentTypeScope="" ma:versionID="499998f85468983aa5ef8c8b6e376a2b">
   <xsd:schema xmlns:xsd="http://www.w3.org/2001/XMLSchema" xmlns:xs="http://www.w3.org/2001/XMLSchema" xmlns:p="http://schemas.microsoft.com/office/2006/metadata/properties" xmlns:ns2="037bc504-cc17-4a0d-a1f4-798ee03480e2" targetNamespace="http://schemas.microsoft.com/office/2006/metadata/properties" ma:root="true" ma:fieldsID="fae5fee81ed1579170672caf7726a2ab" ns2:_="">
     <xsd:import namespace="037bc504-cc17-4a0d-a1f4-798ee03480e2"/>
@@ -6191,23 +6580,13 @@
 </ct:contentTypeSchema>
 </file>
 
-<file path=customXml/item3.xml><?xml version="1.0" encoding="utf-8"?>
+<file path=customXml/item5.xml><?xml version="1.0" encoding="utf-8"?>
 <?mso-contentType ?>
 <FormTemplates xmlns="http://schemas.microsoft.com/sharepoint/v3/contenttype/forms">
   <Display>DocumentLibraryForm</Display>
   <Edit>DocumentLibraryForm</Edit>
   <New>DocumentLibraryForm</New>
 </FormTemplates>
-</file>
-
-<file path=customXml/item4.xml><?xml version="1.0" encoding="utf-8"?>
-<p:properties xmlns:p="http://schemas.microsoft.com/office/2006/metadata/properties" xmlns:xsi="http://www.w3.org/2001/XMLSchema-instance" xmlns:pc="http://schemas.microsoft.com/office/infopath/2007/PartnerControls">
-  <documentManagement/>
-</p:properties>
-</file>
-
-<file path=customXml/item5.xml><?xml version="1.0" encoding="utf-8"?>
-<LongProperties xmlns="http://schemas.microsoft.com/office/2006/metadata/longProperties"/>
 </file>
 
 <file path=customXml/itemProps1.xml><?xml version="1.0" encoding="utf-8"?>
@@ -6219,6 +6598,30 @@
 </file>
 
 <file path=customXml/itemProps2.xml><?xml version="1.0" encoding="utf-8"?>
+<ds:datastoreItem xmlns:ds="http://schemas.openxmlformats.org/officeDocument/2006/customXml" ds:itemID="{EA472CBF-0E5F-4633-90C8-7A000AA90F89}">
+  <ds:schemaRefs>
+    <ds:schemaRef ds:uri="http://schemas.microsoft.com/office/2006/metadata/longProperties"/>
+  </ds:schemaRefs>
+</ds:datastoreItem>
+</file>
+
+<file path=customXml/itemProps3.xml><?xml version="1.0" encoding="utf-8"?>
+<ds:datastoreItem xmlns:ds="http://schemas.openxmlformats.org/officeDocument/2006/customXml" ds:itemID="{24694BF4-419B-4B0A-A07A-48B56CDAD6BC}">
+  <ds:schemaRefs>
+    <ds:schemaRef ds:uri="http://purl.org/dc/terms/"/>
+    <ds:schemaRef ds:uri="037bc504-cc17-4a0d-a1f4-798ee03480e2"/>
+    <ds:schemaRef ds:uri="http://schemas.microsoft.com/office/2006/documentManagement/types"/>
+    <ds:schemaRef ds:uri="http://www.w3.org/XML/1998/namespace"/>
+    <ds:schemaRef ds:uri="http://purl.org/dc/dcmitype/"/>
+    <ds:schemaRef ds:uri="http://purl.org/dc/elements/1.1/"/>
+    <ds:schemaRef ds:uri="http://schemas.microsoft.com/office/2006/metadata/properties"/>
+    <ds:schemaRef ds:uri="http://schemas.microsoft.com/office/infopath/2007/PartnerControls"/>
+    <ds:schemaRef ds:uri="http://schemas.openxmlformats.org/package/2006/metadata/core-properties"/>
+  </ds:schemaRefs>
+</ds:datastoreItem>
+</file>
+
+<file path=customXml/itemProps4.xml><?xml version="1.0" encoding="utf-8"?>
 <ds:datastoreItem xmlns:ds="http://schemas.openxmlformats.org/officeDocument/2006/customXml" ds:itemID="{0EF53AE6-C797-40C6-8C0F-B44A483F93A2}">
   <ds:schemaRefs>
     <ds:schemaRef ds:uri="http://schemas.microsoft.com/office/2006/metadata/contentType"/>
@@ -6236,34 +6639,10 @@
 </ds:datastoreItem>
 </file>
 
-<file path=customXml/itemProps3.xml><?xml version="1.0" encoding="utf-8"?>
+<file path=customXml/itemProps5.xml><?xml version="1.0" encoding="utf-8"?>
 <ds:datastoreItem xmlns:ds="http://schemas.openxmlformats.org/officeDocument/2006/customXml" ds:itemID="{9C33C2F5-8CE6-4F71-8053-B7D6E0191948}">
   <ds:schemaRefs>
     <ds:schemaRef ds:uri="http://schemas.microsoft.com/sharepoint/v3/contenttype/forms"/>
   </ds:schemaRefs>
 </ds:datastoreItem>
-</file>
-
-<file path=customXml/itemProps4.xml><?xml version="1.0" encoding="utf-8"?>
-<ds:datastoreItem xmlns:ds="http://schemas.openxmlformats.org/officeDocument/2006/customXml" ds:itemID="{24694BF4-419B-4B0A-A07A-48B56CDAD6BC}">
-  <ds:schemaRefs>
-    <ds:schemaRef ds:uri="http://schemas.microsoft.com/office/2006/documentManagement/types"/>
-    <ds:schemaRef ds:uri="http://purl.org/dc/dcmitype/"/>
-    <ds:schemaRef ds:uri="037bc504-cc17-4a0d-a1f4-798ee03480e2"/>
-    <ds:schemaRef ds:uri="http://purl.org/dc/elements/1.1/"/>
-    <ds:schemaRef ds:uri="http://purl.org/dc/terms/"/>
-    <ds:schemaRef ds:uri="http://schemas.microsoft.com/office/infopath/2007/PartnerControls"/>
-    <ds:schemaRef ds:uri="http://schemas.openxmlformats.org/package/2006/metadata/core-properties"/>
-    <ds:schemaRef ds:uri="http://schemas.microsoft.com/office/2006/metadata/properties"/>
-    <ds:schemaRef ds:uri="http://www.w3.org/XML/1998/namespace"/>
-  </ds:schemaRefs>
-</ds:datastoreItem>
-</file>
-
-<file path=customXml/itemProps5.xml><?xml version="1.0" encoding="utf-8"?>
-<ds:datastoreItem xmlns:ds="http://schemas.openxmlformats.org/officeDocument/2006/customXml" ds:itemID="{EA472CBF-0E5F-4633-90C8-7A000AA90F89}">
-  <ds:schemaRefs>
-    <ds:schemaRef ds:uri="http://schemas.microsoft.com/office/2006/metadata/longProperties"/>
-  </ds:schemaRefs>
-</ds:datastoreItem>
 </file>
--- a/BDD.pptx
+++ b/BDD.pptx
@@ -6,25 +6,27 @@
     <p:sldMasterId id="2147483697" r:id="rId7"/>
   </p:sldMasterIdLst>
   <p:notesMasterIdLst>
-    <p:notesMasterId r:id="rId21"/>
+    <p:notesMasterId r:id="rId23"/>
   </p:notesMasterIdLst>
   <p:handoutMasterIdLst>
-    <p:handoutMasterId r:id="rId22"/>
+    <p:handoutMasterId r:id="rId24"/>
   </p:handoutMasterIdLst>
   <p:sldIdLst>
     <p:sldId id="264" r:id="rId8"/>
     <p:sldId id="265" r:id="rId9"/>
-    <p:sldId id="266" r:id="rId10"/>
-    <p:sldId id="271" r:id="rId11"/>
-    <p:sldId id="267" r:id="rId12"/>
-    <p:sldId id="268" r:id="rId13"/>
-    <p:sldId id="269" r:id="rId14"/>
-    <p:sldId id="270" r:id="rId15"/>
-    <p:sldId id="272" r:id="rId16"/>
-    <p:sldId id="273" r:id="rId17"/>
-    <p:sldId id="274" r:id="rId18"/>
-    <p:sldId id="276" r:id="rId19"/>
-    <p:sldId id="275" r:id="rId20"/>
+    <p:sldId id="277" r:id="rId10"/>
+    <p:sldId id="278" r:id="rId11"/>
+    <p:sldId id="266" r:id="rId12"/>
+    <p:sldId id="271" r:id="rId13"/>
+    <p:sldId id="267" r:id="rId14"/>
+    <p:sldId id="268" r:id="rId15"/>
+    <p:sldId id="269" r:id="rId16"/>
+    <p:sldId id="270" r:id="rId17"/>
+    <p:sldId id="272" r:id="rId18"/>
+    <p:sldId id="273" r:id="rId19"/>
+    <p:sldId id="274" r:id="rId20"/>
+    <p:sldId id="276" r:id="rId21"/>
+    <p:sldId id="275" r:id="rId22"/>
   </p:sldIdLst>
   <p:sldSz cx="9144000" cy="6858000" type="screen4x3"/>
   <p:notesSz cx="7010400" cy="9296400"/>
@@ -167,11 +169,7 @@
 <file path=ppt/commentAuthors.xml><?xml version="1.0" encoding="utf-8"?>
 <p:cmAuthorLst xmlns:a="http://schemas.openxmlformats.org/drawingml/2006/main" xmlns:r="http://schemas.openxmlformats.org/officeDocument/2006/relationships" xmlns:p="http://schemas.openxmlformats.org/presentationml/2006/main">
   <p:cmAuthor id="7" name="Microsoft Office User" initials="Office [5]" lastIdx="1" clrIdx="6">
-    <p:extLst>
-      <p:ext uri="{19B8F6BF-5375-455C-9EA6-DF929625EA0E}">
-        <p15:presenceInfo xmlns:p15="http://schemas.microsoft.com/office/powerpoint/2012/main" userId="" providerId=""/>
-      </p:ext>
-    </p:extLst>
+    <p:extLst/>
   </p:cmAuthor>
   <p:cmAuthor id="1" name="Russell Holman" initials="RH" lastIdx="2" clrIdx="0">
     <p:extLst/>
@@ -180,32 +178,16 @@
     <p:extLst/>
   </p:cmAuthor>
   <p:cmAuthor id="3" name="Microsoft Office User" initials="Office" lastIdx="1" clrIdx="2">
-    <p:extLst>
-      <p:ext uri="{19B8F6BF-5375-455C-9EA6-DF929625EA0E}">
-        <p15:presenceInfo xmlns:p15="http://schemas.microsoft.com/office/powerpoint/2012/main" userId="" providerId=""/>
-      </p:ext>
-    </p:extLst>
+    <p:extLst/>
   </p:cmAuthor>
   <p:cmAuthor id="4" name="Microsoft Office User" initials="Office [2]" lastIdx="1" clrIdx="3">
-    <p:extLst>
-      <p:ext uri="{19B8F6BF-5375-455C-9EA6-DF929625EA0E}">
-        <p15:presenceInfo xmlns:p15="http://schemas.microsoft.com/office/powerpoint/2012/main" userId="" providerId=""/>
-      </p:ext>
-    </p:extLst>
+    <p:extLst/>
   </p:cmAuthor>
   <p:cmAuthor id="5" name="Microsoft Office User" initials="Office [3]" lastIdx="1" clrIdx="4">
-    <p:extLst>
-      <p:ext uri="{19B8F6BF-5375-455C-9EA6-DF929625EA0E}">
-        <p15:presenceInfo xmlns:p15="http://schemas.microsoft.com/office/powerpoint/2012/main" userId="" providerId=""/>
-      </p:ext>
-    </p:extLst>
+    <p:extLst/>
   </p:cmAuthor>
   <p:cmAuthor id="6" name="Microsoft Office User" initials="Office [4]" lastIdx="1" clrIdx="5">
-    <p:extLst>
-      <p:ext uri="{19B8F6BF-5375-455C-9EA6-DF929625EA0E}">
-        <p15:presenceInfo xmlns:p15="http://schemas.microsoft.com/office/powerpoint/2012/main" userId="" providerId=""/>
-      </p:ext>
-    </p:extLst>
+    <p:extLst/>
   </p:cmAuthor>
 </p:cmAuthorLst>
 </file>
@@ -430,7 +412,7 @@
             <a:fld id="{FEE93A03-1206-4179-8BFD-D87BEE1D9944}" type="datetimeFigureOut">
               <a:rPr lang="en-US" altLang="en-US"/>
               <a:pPr/>
-              <a:t>6/9/16</a:t>
+              <a:t>6/15/16</a:t>
             </a:fld>
             <a:endParaRPr lang="en-US" altLang="en-US"/>
           </a:p>
@@ -639,7 +621,7 @@
             <a:fld id="{23E2F853-0133-45EC-AB11-8D02543E75D3}" type="datetimeFigureOut">
               <a:rPr lang="en-US" altLang="en-US"/>
               <a:pPr/>
-              <a:t>6/9/16</a:t>
+              <a:t>6/15/16</a:t>
             </a:fld>
             <a:endParaRPr lang="en-US" altLang="en-US"/>
           </a:p>
@@ -1153,14 +1135,14 @@
           </a:ln>
           <a:extLst>
             <a:ext uri="{909E8E84-426E-40dd-AFC4-6F175D3DCCD1}">
-              <a14:hiddenFill xmlns:a14="http://schemas.microsoft.com/office/drawing/2010/main" xmlns="">
+              <a14:hiddenFill xmlns="" xmlns:a14="http://schemas.microsoft.com/office/drawing/2010/main">
                 <a:solidFill>
                   <a:srgbClr val="FFFFFF"/>
                 </a:solidFill>
               </a14:hiddenFill>
             </a:ext>
             <a:ext uri="{91240B29-F687-4f45-9708-019B960494DF}">
-              <a14:hiddenLine xmlns:a14="http://schemas.microsoft.com/office/drawing/2010/main" xmlns="" w="9525">
+              <a14:hiddenLine xmlns="" xmlns:a14="http://schemas.microsoft.com/office/drawing/2010/main" w="9525">
                 <a:solidFill>
                   <a:srgbClr val="000000"/>
                 </a:solidFill>
@@ -3512,10 +3494,9 @@
           <a:lstStyle/>
           <a:p>
             <a:r>
-              <a:rPr lang="en-US" dirty="0" smtClean="0"/>
-              <a:t>BDD Testing Demonstration Using Cucumber</a:t>
-            </a:r>
-            <a:endParaRPr lang="en-US" dirty="0"/>
+              <a:rPr lang="en-US" dirty="0"/>
+              <a:t>Scenario with BDD</a:t>
+            </a:r>
           </a:p>
         </p:txBody>
       </p:sp>
@@ -3532,13 +3513,58 @@
         <p:spPr>
           <a:xfrm>
             <a:off x="457200" y="1366180"/>
-            <a:ext cx="8229600" cy="672604"/>
+            <a:ext cx="8229600" cy="4668860"/>
           </a:xfrm>
         </p:spPr>
         <p:txBody>
           <a:bodyPr/>
           <a:lstStyle/>
           <a:p>
+            <a:r>
+              <a:rPr lang="en-US" dirty="0"/>
+              <a:t>The team’s application is being updated to support other countries. </a:t>
+            </a:r>
+            <a:endParaRPr lang="en-US" dirty="0" smtClean="0"/>
+          </a:p>
+          <a:p>
+            <a:endParaRPr lang="en-US" dirty="0"/>
+          </a:p>
+          <a:p>
+            <a:r>
+              <a:rPr lang="en-US" dirty="0" smtClean="0"/>
+              <a:t>Product Manager: “</a:t>
+            </a:r>
+            <a:r>
+              <a:rPr lang="en-US" dirty="0"/>
+              <a:t>To support international phone numbers, we need to allow 	up to 16 digits in the phone number field</a:t>
+            </a:r>
+            <a:r>
+              <a:rPr lang="en-US" dirty="0" smtClean="0"/>
+              <a:t>. I’ll update the feature file to 	reflect this changed requirement.”</a:t>
+            </a:r>
+          </a:p>
+          <a:p>
+            <a:r>
+              <a:rPr lang="en-US" dirty="0" smtClean="0"/>
+              <a:t>Tester: “Perfect! The test pulls in the field length value from the feature file. So 	the test doesn’t need to be modified.”</a:t>
+            </a:r>
+          </a:p>
+          <a:p>
+            <a:r>
+              <a:rPr lang="en-US" dirty="0" smtClean="0"/>
+              <a:t>(</a:t>
+            </a:r>
+            <a:r>
+              <a:rPr lang="en-US" i="1" dirty="0" smtClean="0"/>
+              <a:t>Tester continues to work on other tasks related to the internationalization project.</a:t>
+            </a:r>
+            <a:r>
+              <a:rPr lang="en-US" dirty="0" smtClean="0"/>
+              <a:t>)</a:t>
+            </a:r>
+            <a:endParaRPr lang="en-US" dirty="0"/>
+          </a:p>
+          <a:p>
             <a:endParaRPr lang="en-US" dirty="0"/>
           </a:p>
         </p:txBody>
@@ -3546,7 +3572,7 @@
     </p:spTree>
     <p:extLst>
       <p:ext uri="{BB962C8B-B14F-4D97-AF65-F5344CB8AC3E}">
-        <p14:creationId xmlns:p14="http://schemas.microsoft.com/office/powerpoint/2010/main" val="1139927432"/>
+        <p14:creationId xmlns:p14="http://schemas.microsoft.com/office/powerpoint/2010/main" val="1773089857"/>
       </p:ext>
     </p:extLst>
   </p:cSld>
@@ -3590,7 +3616,7 @@
           <a:p>
             <a:r>
               <a:rPr lang="en-US" dirty="0" smtClean="0"/>
-              <a:t>BDD Pitfalls</a:t>
+              <a:t>Scenario Takeaways</a:t>
             </a:r>
             <a:endParaRPr lang="en-US" dirty="0"/>
           </a:p>
@@ -3609,7 +3635,7 @@
         <p:spPr>
           <a:xfrm>
             <a:off x="457200" y="1366180"/>
-            <a:ext cx="8229600" cy="4710424"/>
+            <a:ext cx="8229600" cy="4729820"/>
           </a:xfrm>
         </p:spPr>
         <p:txBody>
@@ -3622,7 +3648,7 @@
             </a:pPr>
             <a:r>
               <a:rPr lang="en-US" dirty="0" smtClean="0"/>
-              <a:t>Due to its reliance on up-to-date requirements, BDD requires constant 	attention from the business side of the team. For rapidly changing 	products, this may mean dedicating an entire person to feature file 	maintenance. </a:t>
+              <a:t>In both scenarios, the team successfully covered their requirement with an 	automated test, but in the BDD scenario, much less time was spent 	updating tests. Also, a technical member of the team was not needed to 	update the test.</a:t>
             </a:r>
           </a:p>
           <a:p>
@@ -3632,23 +3658,8 @@
             </a:pPr>
             <a:r>
               <a:rPr lang="en-US" dirty="0" smtClean="0"/>
-              <a:t>It can be hard to adapt a legacy application to use BDD due to the effort 	required to translate requirements into feature files</a:t>
-            </a:r>
-            <a:r>
-              <a:rPr lang="en-US" dirty="0" smtClean="0"/>
-              <a:t>.</a:t>
-            </a:r>
-          </a:p>
-          <a:p>
-            <a:pPr marL="285750" indent="-285750">
-              <a:buFont typeface="Arial" charset="0"/>
-              <a:buChar char="•"/>
-            </a:pPr>
-            <a:r>
-              <a:rPr lang="en-US" dirty="0" smtClean="0"/>
-              <a:t>Due to the format in which BDD features are written, systems that require 	extensive configuration may result in unmanageable feature files.</a:t>
-            </a:r>
-            <a:endParaRPr lang="en-US" dirty="0" smtClean="0"/>
+              <a:t>In the BDD scenario the TDD philosophy of update the test, watch it fail, 	make it pass is followed. In the regular scenario the unmodified test will 	continue to pass until the application is updated to match the new 	requirement.</a:t>
+            </a:r>
           </a:p>
           <a:p>
             <a:pPr marL="285750" indent="-285750">
@@ -3658,18 +3669,14 @@
             <a:endParaRPr lang="en-US" dirty="0" smtClean="0"/>
           </a:p>
           <a:p>
-            <a:pPr marL="285750" indent="-285750">
-              <a:buFont typeface="Arial" charset="0"/>
-              <a:buChar char="•"/>
-            </a:pPr>
-            <a:endParaRPr lang="en-US" dirty="0" smtClean="0"/>
+            <a:endParaRPr lang="en-US" dirty="0"/>
           </a:p>
         </p:txBody>
       </p:sp>
     </p:spTree>
     <p:extLst>
       <p:ext uri="{BB962C8B-B14F-4D97-AF65-F5344CB8AC3E}">
-        <p14:creationId xmlns:p14="http://schemas.microsoft.com/office/powerpoint/2010/main" val="1843843251"/>
+        <p14:creationId xmlns:p14="http://schemas.microsoft.com/office/powerpoint/2010/main" val="1235295227"/>
       </p:ext>
     </p:extLst>
   </p:cSld>
@@ -3713,106 +3720,59 @@
           <a:p>
             <a:r>
               <a:rPr lang="en-US" dirty="0" smtClean="0"/>
-              <a:t>Benefits of BDD</a:t>
+              <a:t>BDD Testing Demonstration Using Cucumber</a:t>
             </a:r>
             <a:endParaRPr lang="en-US" dirty="0"/>
           </a:p>
         </p:txBody>
       </p:sp>
-      <p:sp>
-        <p:nvSpPr>
-          <p:cNvPr id="3" name="Text Placeholder 2"/>
-          <p:cNvSpPr>
-            <a:spLocks noGrp="1"/>
-          </p:cNvSpPr>
-          <p:nvPr>
-            <p:ph type="body" sz="quarter" idx="12"/>
-          </p:nvPr>
-        </p:nvSpPr>
+      <p:pic>
+        <p:nvPicPr>
+          <p:cNvPr id="4" name="Picture 3"/>
+          <p:cNvPicPr>
+            <a:picLocks noChangeAspect="1"/>
+          </p:cNvPicPr>
+          <p:nvPr/>
+        </p:nvPicPr>
+        <p:blipFill>
+          <a:blip r:embed="rId2">
+            <a:extLst>
+              <a:ext uri="{28A0092B-C50C-407E-A947-70E740481C1C}">
+                <a14:useLocalDpi xmlns:a14="http://schemas.microsoft.com/office/drawing/2010/main" val="0"/>
+              </a:ext>
+            </a:extLst>
+          </a:blip>
+          <a:stretch>
+            <a:fillRect/>
+          </a:stretch>
+        </p:blipFill>
         <p:spPr>
           <a:xfrm>
-            <a:off x="457200" y="1366179"/>
-            <a:ext cx="8229600" cy="4827791"/>
+            <a:off x="762000" y="1143644"/>
+            <a:ext cx="7620000" cy="5080000"/>
           </a:xfrm>
+          <a:prstGeom prst="rect">
+            <a:avLst/>
+          </a:prstGeom>
         </p:spPr>
-        <p:txBody>
-          <a:bodyPr/>
-          <a:lstStyle/>
-          <a:p>
-            <a:pPr marL="285750" indent="-285750">
-              <a:buFont typeface="Arial" charset="0"/>
-              <a:buChar char="•"/>
-            </a:pPr>
-            <a:r>
-              <a:rPr lang="en-US" dirty="0" smtClean="0"/>
-              <a:t>Requirements are analyzed very carefully throughout the project.</a:t>
-            </a:r>
-          </a:p>
-          <a:p>
-            <a:pPr marL="285750" indent="-285750">
-              <a:buFont typeface="Arial" charset="0"/>
-              <a:buChar char="•"/>
-            </a:pPr>
-            <a:r>
-              <a:rPr lang="en-US" dirty="0" smtClean="0"/>
-              <a:t>Application features are built to meet the requirements. </a:t>
-            </a:r>
-          </a:p>
-          <a:p>
-            <a:pPr marL="1028700" lvl="1">
-              <a:buFont typeface="Arial" charset="0"/>
-              <a:buChar char="•"/>
-            </a:pPr>
-            <a:r>
-              <a:rPr lang="en-US" dirty="0" smtClean="0"/>
-              <a:t>No </a:t>
-            </a:r>
-            <a:r>
-              <a:rPr lang="en-US" dirty="0"/>
-              <a:t>extraneous features that no one asked for.</a:t>
-            </a:r>
-          </a:p>
-          <a:p>
-            <a:pPr marL="285750" indent="-285750">
-              <a:buFont typeface="Arial" charset="0"/>
-              <a:buChar char="•"/>
-            </a:pPr>
-            <a:r>
-              <a:rPr lang="en-US" dirty="0" smtClean="0"/>
-              <a:t>Stakeholders can determine the completeness of a project by seeing how 	many features are fulfilled.</a:t>
-            </a:r>
-            <a:endParaRPr lang="en-US" dirty="0"/>
-          </a:p>
-          <a:p>
-            <a:pPr marL="285750" indent="-285750">
-              <a:buFont typeface="Arial" charset="0"/>
-              <a:buChar char="•"/>
-            </a:pPr>
-            <a:r>
-              <a:rPr lang="en-US" dirty="0" smtClean="0"/>
-              <a:t>The team has “executable requirements” to show that not only does their application do something correctly, it does the </a:t>
-            </a:r>
-            <a:r>
-              <a:rPr lang="en-US" i="1" dirty="0" smtClean="0"/>
-              <a:t>right </a:t>
-            </a:r>
-            <a:r>
-              <a:rPr lang="en-US" dirty="0" smtClean="0"/>
-              <a:t>thing correctly.</a:t>
-            </a:r>
-          </a:p>
-        </p:txBody>
-      </p:sp>
+      </p:pic>
     </p:spTree>
     <p:extLst>
       <p:ext uri="{BB962C8B-B14F-4D97-AF65-F5344CB8AC3E}">
-        <p14:creationId xmlns:p14="http://schemas.microsoft.com/office/powerpoint/2010/main" val="389926871"/>
+        <p14:creationId xmlns:p14="http://schemas.microsoft.com/office/powerpoint/2010/main" val="1139927432"/>
       </p:ext>
     </p:extLst>
   </p:cSld>
   <p:clrMapOvr>
     <a:masterClrMapping/>
   </p:clrMapOvr>
+  <p:timing>
+    <p:tnLst>
+      <p:par>
+        <p:cTn id="1" dur="indefinite" restart="never" nodeType="tmRoot"/>
+      </p:par>
+    </p:tnLst>
+  </p:timing>
 </p:sld>
 </file>
 
@@ -3850,6 +3810,268 @@
           <a:p>
             <a:r>
               <a:rPr lang="en-US" dirty="0" smtClean="0"/>
+              <a:t>BDD Pitfalls</a:t>
+            </a:r>
+            <a:endParaRPr lang="en-US" dirty="0"/>
+          </a:p>
+        </p:txBody>
+      </p:sp>
+      <p:sp>
+        <p:nvSpPr>
+          <p:cNvPr id="3" name="Text Placeholder 2"/>
+          <p:cNvSpPr>
+            <a:spLocks noGrp="1"/>
+          </p:cNvSpPr>
+          <p:nvPr>
+            <p:ph type="body" sz="quarter" idx="12"/>
+          </p:nvPr>
+        </p:nvSpPr>
+        <p:spPr>
+          <a:xfrm>
+            <a:off x="457200" y="1366180"/>
+            <a:ext cx="8229600" cy="4710424"/>
+          </a:xfrm>
+        </p:spPr>
+        <p:txBody>
+          <a:bodyPr/>
+          <a:lstStyle/>
+          <a:p>
+            <a:pPr marL="285750" indent="-285750">
+              <a:buFont typeface="Arial" charset="0"/>
+              <a:buChar char="•"/>
+            </a:pPr>
+            <a:r>
+              <a:rPr lang="en-US" dirty="0" smtClean="0"/>
+              <a:t>Due to its reliance on up-to-date requirements, BDD requires constant 	attention from the business side of the team. For rapidly changing 	products, this may mean dedicating an entire person to feature file 	maintenance. </a:t>
+            </a:r>
+          </a:p>
+          <a:p>
+            <a:pPr marL="285750" indent="-285750">
+              <a:buFont typeface="Arial" charset="0"/>
+              <a:buChar char="•"/>
+            </a:pPr>
+            <a:r>
+              <a:rPr lang="en-US" dirty="0" smtClean="0"/>
+              <a:t>It can be hard to adapt a legacy application to use BDD due to the effort 	required to translate requirements into feature files.</a:t>
+            </a:r>
+          </a:p>
+          <a:p>
+            <a:pPr marL="285750" indent="-285750">
+              <a:buFont typeface="Arial" charset="0"/>
+              <a:buChar char="•"/>
+            </a:pPr>
+            <a:r>
+              <a:rPr lang="en-US" dirty="0" smtClean="0"/>
+              <a:t>Due to the format in which BDD features are written, systems that require 	extensive configuration may result in unmanageable feature files.</a:t>
+            </a:r>
+          </a:p>
+          <a:p>
+            <a:pPr marL="285750" indent="-285750">
+              <a:buFont typeface="Arial" charset="0"/>
+              <a:buChar char="•"/>
+            </a:pPr>
+            <a:endParaRPr lang="en-US" dirty="0" smtClean="0"/>
+          </a:p>
+          <a:p>
+            <a:pPr marL="285750" indent="-285750">
+              <a:buFont typeface="Arial" charset="0"/>
+              <a:buChar char="•"/>
+            </a:pPr>
+            <a:endParaRPr lang="en-US" dirty="0" smtClean="0"/>
+          </a:p>
+        </p:txBody>
+      </p:sp>
+    </p:spTree>
+    <p:extLst>
+      <p:ext uri="{BB962C8B-B14F-4D97-AF65-F5344CB8AC3E}">
+        <p14:creationId xmlns:p14="http://schemas.microsoft.com/office/powerpoint/2010/main" val="1843843251"/>
+      </p:ext>
+    </p:extLst>
+  </p:cSld>
+  <p:clrMapOvr>
+    <a:masterClrMapping/>
+  </p:clrMapOvr>
+  <p:timing>
+    <p:tnLst>
+      <p:par>
+        <p:cTn id="1" dur="indefinite" restart="never" nodeType="tmRoot"/>
+      </p:par>
+    </p:tnLst>
+  </p:timing>
+</p:sld>
+</file>
+
+<file path=ppt/slides/slide14.xml><?xml version="1.0" encoding="utf-8"?>
+<p:sld xmlns:a="http://schemas.openxmlformats.org/drawingml/2006/main" xmlns:r="http://schemas.openxmlformats.org/officeDocument/2006/relationships" xmlns:p="http://schemas.openxmlformats.org/presentationml/2006/main">
+  <p:cSld>
+    <p:spTree>
+      <p:nvGrpSpPr>
+        <p:cNvPr id="1" name=""/>
+        <p:cNvGrpSpPr/>
+        <p:nvPr/>
+      </p:nvGrpSpPr>
+      <p:grpSpPr>
+        <a:xfrm>
+          <a:off x="0" y="0"/>
+          <a:ext cx="0" cy="0"/>
+          <a:chOff x="0" y="0"/>
+          <a:chExt cx="0" cy="0"/>
+        </a:xfrm>
+      </p:grpSpPr>
+      <p:sp>
+        <p:nvSpPr>
+          <p:cNvPr id="2" name="Title 1"/>
+          <p:cNvSpPr>
+            <a:spLocks noGrp="1"/>
+          </p:cNvSpPr>
+          <p:nvPr>
+            <p:ph type="title"/>
+          </p:nvPr>
+        </p:nvSpPr>
+        <p:spPr/>
+        <p:txBody>
+          <a:bodyPr/>
+          <a:lstStyle/>
+          <a:p>
+            <a:r>
+              <a:rPr lang="en-US" dirty="0" smtClean="0"/>
+              <a:t>Benefits of BDD</a:t>
+            </a:r>
+            <a:endParaRPr lang="en-US" dirty="0"/>
+          </a:p>
+        </p:txBody>
+      </p:sp>
+      <p:sp>
+        <p:nvSpPr>
+          <p:cNvPr id="3" name="Text Placeholder 2"/>
+          <p:cNvSpPr>
+            <a:spLocks noGrp="1"/>
+          </p:cNvSpPr>
+          <p:nvPr>
+            <p:ph type="body" sz="quarter" idx="12"/>
+          </p:nvPr>
+        </p:nvSpPr>
+        <p:spPr>
+          <a:xfrm>
+            <a:off x="457200" y="1366179"/>
+            <a:ext cx="8229600" cy="4827791"/>
+          </a:xfrm>
+        </p:spPr>
+        <p:txBody>
+          <a:bodyPr/>
+          <a:lstStyle/>
+          <a:p>
+            <a:pPr marL="285750" indent="-285750">
+              <a:buFont typeface="Arial" charset="0"/>
+              <a:buChar char="•"/>
+            </a:pPr>
+            <a:r>
+              <a:rPr lang="en-US" dirty="0" smtClean="0"/>
+              <a:t>Requirements are analyzed very carefully throughout the project.</a:t>
+            </a:r>
+          </a:p>
+          <a:p>
+            <a:pPr marL="285750" indent="-285750">
+              <a:buFont typeface="Arial" charset="0"/>
+              <a:buChar char="•"/>
+            </a:pPr>
+            <a:r>
+              <a:rPr lang="en-US" dirty="0" smtClean="0"/>
+              <a:t>Application features are built to meet the requirements. </a:t>
+            </a:r>
+          </a:p>
+          <a:p>
+            <a:pPr marL="1028700" lvl="1">
+              <a:buFont typeface="Arial" charset="0"/>
+              <a:buChar char="•"/>
+            </a:pPr>
+            <a:r>
+              <a:rPr lang="en-US" dirty="0" smtClean="0"/>
+              <a:t>No </a:t>
+            </a:r>
+            <a:r>
+              <a:rPr lang="en-US" dirty="0"/>
+              <a:t>extraneous features that no one asked for.</a:t>
+            </a:r>
+          </a:p>
+          <a:p>
+            <a:pPr marL="285750" indent="-285750">
+              <a:buFont typeface="Arial" charset="0"/>
+              <a:buChar char="•"/>
+            </a:pPr>
+            <a:r>
+              <a:rPr lang="en-US" dirty="0" smtClean="0"/>
+              <a:t>Stakeholders can determine the completeness of a project by seeing how 	many features are fulfilled.</a:t>
+            </a:r>
+            <a:endParaRPr lang="en-US" dirty="0"/>
+          </a:p>
+          <a:p>
+            <a:pPr marL="285750" indent="-285750">
+              <a:buFont typeface="Arial" charset="0"/>
+              <a:buChar char="•"/>
+            </a:pPr>
+            <a:r>
+              <a:rPr lang="en-US" dirty="0" smtClean="0"/>
+              <a:t>The team has “executable requirements” to show that not only does their application do something correctly, it does the </a:t>
+            </a:r>
+            <a:r>
+              <a:rPr lang="en-US" i="1" dirty="0" smtClean="0"/>
+              <a:t>right </a:t>
+            </a:r>
+            <a:r>
+              <a:rPr lang="en-US" dirty="0" smtClean="0"/>
+              <a:t>thing correctly.</a:t>
+            </a:r>
+          </a:p>
+        </p:txBody>
+      </p:sp>
+    </p:spTree>
+    <p:extLst>
+      <p:ext uri="{BB962C8B-B14F-4D97-AF65-F5344CB8AC3E}">
+        <p14:creationId xmlns:p14="http://schemas.microsoft.com/office/powerpoint/2010/main" val="389926871"/>
+      </p:ext>
+    </p:extLst>
+  </p:cSld>
+  <p:clrMapOvr>
+    <a:masterClrMapping/>
+  </p:clrMapOvr>
+</p:sld>
+</file>
+
+<file path=ppt/slides/slide15.xml><?xml version="1.0" encoding="utf-8"?>
+<p:sld xmlns:a="http://schemas.openxmlformats.org/drawingml/2006/main" xmlns:r="http://schemas.openxmlformats.org/officeDocument/2006/relationships" xmlns:p="http://schemas.openxmlformats.org/presentationml/2006/main">
+  <p:cSld>
+    <p:spTree>
+      <p:nvGrpSpPr>
+        <p:cNvPr id="1" name=""/>
+        <p:cNvGrpSpPr/>
+        <p:nvPr/>
+      </p:nvGrpSpPr>
+      <p:grpSpPr>
+        <a:xfrm>
+          <a:off x="0" y="0"/>
+          <a:ext cx="0" cy="0"/>
+          <a:chOff x="0" y="0"/>
+          <a:chExt cx="0" cy="0"/>
+        </a:xfrm>
+      </p:grpSpPr>
+      <p:sp>
+        <p:nvSpPr>
+          <p:cNvPr id="2" name="Title 1"/>
+          <p:cNvSpPr>
+            <a:spLocks noGrp="1"/>
+          </p:cNvSpPr>
+          <p:nvPr>
+            <p:ph type="title"/>
+          </p:nvPr>
+        </p:nvSpPr>
+        <p:spPr/>
+        <p:txBody>
+          <a:bodyPr/>
+          <a:lstStyle/>
+          <a:p>
+            <a:r>
+              <a:rPr lang="en-US" dirty="0" smtClean="0"/>
               <a:t>Thank You!</a:t>
             </a:r>
             <a:endParaRPr lang="en-US" dirty="0"/>
@@ -3931,6 +4153,13 @@
   <p:clrMapOvr>
     <a:masterClrMapping/>
   </p:clrMapOvr>
+  <p:timing>
+    <p:tnLst>
+      <p:par>
+        <p:cTn id="1" dur="indefinite" restart="never" nodeType="tmRoot"/>
+      </p:par>
+    </p:tnLst>
+  </p:timing>
 </p:sld>
 </file>
 
@@ -4141,185 +4370,52 @@
           <a:p>
             <a:r>
               <a:rPr lang="en-US" dirty="0" smtClean="0"/>
-              <a:t>What is it?</a:t>
+              <a:t>A bit about me</a:t>
             </a:r>
             <a:endParaRPr lang="en-US" dirty="0"/>
           </a:p>
         </p:txBody>
       </p:sp>
-      <p:sp>
-        <p:nvSpPr>
-          <p:cNvPr id="3" name="Text Placeholder 2"/>
-          <p:cNvSpPr>
-            <a:spLocks noGrp="1"/>
-          </p:cNvSpPr>
-          <p:nvPr>
-            <p:ph type="body" sz="quarter" idx="12"/>
-          </p:nvPr>
-        </p:nvSpPr>
+      <p:pic>
+        <p:nvPicPr>
+          <p:cNvPr id="4" name="Picture 3"/>
+          <p:cNvPicPr>
+            <a:picLocks noChangeAspect="1"/>
+          </p:cNvPicPr>
+          <p:nvPr/>
+        </p:nvPicPr>
+        <p:blipFill>
+          <a:blip r:embed="rId2">
+            <a:extLst>
+              <a:ext uri="{28A0092B-C50C-407E-A947-70E740481C1C}">
+                <a14:useLocalDpi xmlns:a14="http://schemas.microsoft.com/office/drawing/2010/main" val="0"/>
+              </a:ext>
+            </a:extLst>
+          </a:blip>
+          <a:stretch>
+            <a:fillRect/>
+          </a:stretch>
+        </p:blipFill>
         <p:spPr>
           <a:xfrm>
-            <a:off x="457200" y="1529542"/>
-            <a:ext cx="8229600" cy="3624348"/>
+            <a:off x="1663860" y="1122744"/>
+            <a:ext cx="5434314" cy="5434314"/>
           </a:xfrm>
+          <a:prstGeom prst="rect">
+            <a:avLst/>
+          </a:prstGeom>
         </p:spPr>
-        <p:txBody>
-          <a:bodyPr/>
-          <a:lstStyle/>
-          <a:p>
-            <a:pPr marL="342900" lvl="0" indent="-342900" defTabSz="914400" eaLnBrk="1" fontAlgn="auto" hangingPunct="1">
-              <a:lnSpc>
-                <a:spcPct val="100000"/>
-              </a:lnSpc>
-              <a:spcBef>
-                <a:spcPts val="0"/>
-              </a:spcBef>
-              <a:spcAft>
-                <a:spcPts val="0"/>
-              </a:spcAft>
-              <a:buFont typeface="Arial" charset="0"/>
-              <a:buChar char="•"/>
-            </a:pPr>
-            <a:r>
-              <a:rPr lang="en-US" dirty="0"/>
-              <a:t>Behavior Driven Development (BDD) is a software development </a:t>
-            </a:r>
-            <a:r>
-              <a:rPr lang="en-US" dirty="0" err="1" smtClean="0"/>
-              <a:t>processthat</a:t>
-            </a:r>
-            <a:r>
-              <a:rPr lang="en-US" dirty="0" smtClean="0"/>
-              <a:t> </a:t>
-            </a:r>
-            <a:r>
-              <a:rPr lang="en-US" dirty="0"/>
-              <a:t>uses the principles of Test Driven Design (TDD) to provide </a:t>
-            </a:r>
-            <a:r>
-              <a:rPr lang="en-US" dirty="0" smtClean="0"/>
-              <a:t>the business </a:t>
-            </a:r>
-            <a:r>
-              <a:rPr lang="en-US" dirty="0"/>
-              <a:t>and technical sides of a team a shared process to create </a:t>
-            </a:r>
-            <a:r>
-              <a:rPr lang="en-US" dirty="0" smtClean="0"/>
-              <a:t>software.</a:t>
-            </a:r>
-            <a:endParaRPr lang="en-US" dirty="0"/>
-          </a:p>
-          <a:p>
-            <a:pPr marL="342900" lvl="0" indent="-342900" defTabSz="914400" eaLnBrk="1" fontAlgn="auto" hangingPunct="1">
-              <a:lnSpc>
-                <a:spcPct val="100000"/>
-              </a:lnSpc>
-              <a:spcBef>
-                <a:spcPts val="0"/>
-              </a:spcBef>
-              <a:spcAft>
-                <a:spcPts val="0"/>
-              </a:spcAft>
-              <a:buFont typeface="Arial" charset="0"/>
-              <a:buChar char="•"/>
-            </a:pPr>
-            <a:endParaRPr lang="en-US" dirty="0" smtClean="0"/>
-          </a:p>
-          <a:p>
-            <a:pPr marL="342900" indent="-342900" defTabSz="914400" eaLnBrk="1" fontAlgn="auto" hangingPunct="1">
-              <a:lnSpc>
-                <a:spcPct val="100000"/>
-              </a:lnSpc>
-              <a:spcBef>
-                <a:spcPts val="0"/>
-              </a:spcBef>
-              <a:spcAft>
-                <a:spcPts val="0"/>
-              </a:spcAft>
-              <a:buFont typeface="Arial" charset="0"/>
-              <a:buChar char="•"/>
-            </a:pPr>
-            <a:r>
-              <a:rPr lang="en-US" dirty="0"/>
-              <a:t>The idea of BDD </a:t>
-            </a:r>
-            <a:r>
-              <a:rPr lang="en-US" dirty="0" smtClean="0"/>
-              <a:t>is to have tests that are based completely off of the business requirements. </a:t>
-            </a:r>
-            <a:endParaRPr lang="en-US" dirty="0"/>
-          </a:p>
-          <a:p>
-            <a:pPr marL="1085850" lvl="1" indent="-342900" defTabSz="914400" eaLnBrk="1" fontAlgn="auto" hangingPunct="1">
-              <a:spcBef>
-                <a:spcPts val="0"/>
-              </a:spcBef>
-              <a:spcAft>
-                <a:spcPts val="0"/>
-              </a:spcAft>
-              <a:buFont typeface="Arial" charset="0"/>
-              <a:buChar char="•"/>
-            </a:pPr>
-            <a:r>
-              <a:rPr lang="en-US" dirty="0" smtClean="0"/>
-              <a:t>This requires close collaboration between the business and technical sides of the team, which leads to better understanding of the system for the entire team.</a:t>
-            </a:r>
-          </a:p>
-          <a:p>
-            <a:pPr marL="342900" lvl="0" indent="-342900" defTabSz="914400" eaLnBrk="1" fontAlgn="auto" hangingPunct="1">
-              <a:lnSpc>
-                <a:spcPct val="100000"/>
-              </a:lnSpc>
-              <a:spcBef>
-                <a:spcPts val="0"/>
-              </a:spcBef>
-              <a:spcAft>
-                <a:spcPts val="0"/>
-              </a:spcAft>
-              <a:buFont typeface="Arial" charset="0"/>
-              <a:buChar char="•"/>
-            </a:pPr>
-            <a:endParaRPr lang="en-US" dirty="0"/>
-          </a:p>
-          <a:p>
-            <a:pPr marL="342900" lvl="0" indent="-342900" defTabSz="914400" eaLnBrk="1" fontAlgn="auto" hangingPunct="1">
-              <a:lnSpc>
-                <a:spcPct val="100000"/>
-              </a:lnSpc>
-              <a:spcBef>
-                <a:spcPts val="0"/>
-              </a:spcBef>
-              <a:spcAft>
-                <a:spcPts val="0"/>
-              </a:spcAft>
-              <a:buFont typeface="Arial" charset="0"/>
-              <a:buChar char="•"/>
-            </a:pPr>
-            <a:r>
-              <a:rPr lang="en-US" dirty="0" smtClean="0"/>
-              <a:t>Requires well defined and up to date requirements.</a:t>
-            </a:r>
-          </a:p>
-        </p:txBody>
-      </p:sp>
+      </p:pic>
     </p:spTree>
     <p:extLst>
       <p:ext uri="{BB962C8B-B14F-4D97-AF65-F5344CB8AC3E}">
-        <p14:creationId xmlns:p14="http://schemas.microsoft.com/office/powerpoint/2010/main" val="1215636210"/>
+        <p14:creationId xmlns:p14="http://schemas.microsoft.com/office/powerpoint/2010/main" val="1069389063"/>
       </p:ext>
     </p:extLst>
   </p:cSld>
   <p:clrMapOvr>
     <a:masterClrMapping/>
   </p:clrMapOvr>
-  <p:timing>
-    <p:tnLst>
-      <p:par>
-        <p:cTn id="1" dur="indefinite" restart="never" nodeType="tmRoot"/>
-      </p:par>
-    </p:tnLst>
-  </p:timing>
 </p:sld>
 </file>
 
@@ -4357,7 +4453,7 @@
           <a:p>
             <a:r>
               <a:rPr lang="en-US" dirty="0" smtClean="0"/>
-              <a:t>Important Terms</a:t>
+              <a:t>Testing Software is Hard!</a:t>
             </a:r>
             <a:endParaRPr lang="en-US" dirty="0"/>
           </a:p>
@@ -4375,70 +4471,342 @@
         </p:nvSpPr>
         <p:spPr>
           <a:xfrm>
-            <a:off x="457200" y="1366179"/>
-            <a:ext cx="8229600" cy="4635227"/>
+            <a:off x="457200" y="1366180"/>
+            <a:ext cx="8229600" cy="672604"/>
           </a:xfrm>
         </p:spPr>
         <p:txBody>
           <a:bodyPr/>
           <a:lstStyle/>
           <a:p>
-            <a:pPr marL="285750" indent="-285750">
-              <a:buFont typeface="Arial" charset="0"/>
-              <a:buChar char="•"/>
-            </a:pPr>
+            <a:pPr algn="ctr"/>
             <a:r>
               <a:rPr lang="en-US" dirty="0" smtClean="0"/>
-              <a:t>Test Driven Development – a software development process that involves 	writing a test before the code to fulfil that test is created. “Write the test, 	watch it fail, make it pass”</a:t>
-            </a:r>
-          </a:p>
-          <a:p>
-            <a:pPr marL="285750" indent="-285750">
-              <a:buFont typeface="Arial" charset="0"/>
-              <a:buChar char="•"/>
-            </a:pPr>
-            <a:r>
-              <a:rPr lang="en-US" dirty="0" smtClean="0"/>
-              <a:t>Feature File – A file containing the requirements for the application. Written 	in readable language</a:t>
-            </a:r>
-            <a:r>
-              <a:rPr lang="en-US" dirty="0" smtClean="0"/>
-              <a:t>.</a:t>
-            </a:r>
-          </a:p>
-          <a:p>
-            <a:pPr marL="285750" indent="-285750">
-              <a:buFont typeface="Arial" charset="0"/>
-              <a:buChar char="•"/>
-            </a:pPr>
-            <a:r>
-              <a:rPr lang="en-US" dirty="0" smtClean="0"/>
-              <a:t>Gherkin – a specially formatted and very readable language that feature files 	are typically written in.</a:t>
-            </a:r>
-          </a:p>
-          <a:p>
-            <a:pPr marL="1028700" lvl="1">
-              <a:buFont typeface="Arial" charset="0"/>
-              <a:buChar char="•"/>
-            </a:pPr>
-            <a:r>
-              <a:rPr lang="en-US" dirty="0" smtClean="0"/>
-              <a:t>Given, When, Then format</a:t>
+              <a:t>What problems do we face when testing software?</a:t>
             </a:r>
             <a:endParaRPr lang="en-US" dirty="0"/>
+          </a:p>
+        </p:txBody>
+      </p:sp>
+      <p:pic>
+        <p:nvPicPr>
+          <p:cNvPr id="4" name="Picture 3"/>
+          <p:cNvPicPr>
+            <a:picLocks noChangeAspect="1"/>
+          </p:cNvPicPr>
+          <p:nvPr/>
+        </p:nvPicPr>
+        <p:blipFill>
+          <a:blip r:embed="rId2">
+            <a:extLst>
+              <a:ext uri="{28A0092B-C50C-407E-A947-70E740481C1C}">
+                <a14:useLocalDpi xmlns:a14="http://schemas.microsoft.com/office/drawing/2010/main" val="0"/>
+              </a:ext>
+            </a:extLst>
+          </a:blip>
+          <a:stretch>
+            <a:fillRect/>
+          </a:stretch>
+        </p:blipFill>
+        <p:spPr>
+          <a:xfrm>
+            <a:off x="3073400" y="2292430"/>
+            <a:ext cx="2997200" cy="3708400"/>
+          </a:xfrm>
+          <a:prstGeom prst="rect">
+            <a:avLst/>
+          </a:prstGeom>
+        </p:spPr>
+      </p:pic>
+      <p:sp>
+        <p:nvSpPr>
+          <p:cNvPr id="5" name="TextBox 4"/>
+          <p:cNvSpPr txBox="1"/>
+          <p:nvPr/>
+        </p:nvSpPr>
+        <p:spPr>
+          <a:xfrm>
+            <a:off x="127322" y="2650118"/>
+            <a:ext cx="2835798" cy="369332"/>
+          </a:xfrm>
+          <a:prstGeom prst="rect">
+            <a:avLst/>
+          </a:prstGeom>
+          <a:noFill/>
+        </p:spPr>
+        <p:txBody>
+          <a:bodyPr wrap="square" rtlCol="0">
+            <a:spAutoFit/>
+          </a:bodyPr>
+          <a:lstStyle/>
+          <a:p>
+            <a:r>
+              <a:rPr lang="en-US" sz="1800" dirty="0" smtClean="0">
+                <a:latin typeface="Arial"/>
+                <a:cs typeface="Arial"/>
+              </a:rPr>
+              <a:t>Ambiguous Requirements</a:t>
+            </a:r>
+            <a:endParaRPr lang="en-US" sz="1800" dirty="0">
+              <a:latin typeface="Arial"/>
+              <a:cs typeface="Arial"/>
+            </a:endParaRPr>
+          </a:p>
+        </p:txBody>
+      </p:sp>
+      <p:sp>
+        <p:nvSpPr>
+          <p:cNvPr id="6" name="TextBox 5"/>
+          <p:cNvSpPr txBox="1"/>
+          <p:nvPr/>
+        </p:nvSpPr>
+        <p:spPr>
+          <a:xfrm>
+            <a:off x="127322" y="3808071"/>
+            <a:ext cx="2835798" cy="646331"/>
+          </a:xfrm>
+          <a:prstGeom prst="rect">
+            <a:avLst/>
+          </a:prstGeom>
+          <a:noFill/>
+        </p:spPr>
+        <p:txBody>
+          <a:bodyPr wrap="square" rtlCol="0">
+            <a:spAutoFit/>
+          </a:bodyPr>
+          <a:lstStyle/>
+          <a:p>
+            <a:pPr algn="ctr"/>
+            <a:r>
+              <a:rPr lang="en-US" sz="1800" dirty="0" smtClean="0">
+                <a:latin typeface="Arial"/>
+                <a:cs typeface="Arial"/>
+              </a:rPr>
+              <a:t>Am I testing the right thing?</a:t>
+            </a:r>
+            <a:endParaRPr lang="en-US" sz="1800" dirty="0" smtClean="0">
+              <a:latin typeface="Arial"/>
+              <a:cs typeface="Arial"/>
+            </a:endParaRPr>
+          </a:p>
+        </p:txBody>
+      </p:sp>
+      <p:sp>
+        <p:nvSpPr>
+          <p:cNvPr id="7" name="TextBox 6"/>
+          <p:cNvSpPr txBox="1"/>
+          <p:nvPr/>
+        </p:nvSpPr>
+        <p:spPr>
+          <a:xfrm>
+            <a:off x="6192456" y="3495554"/>
+            <a:ext cx="2685351" cy="369332"/>
+          </a:xfrm>
+          <a:prstGeom prst="rect">
+            <a:avLst/>
+          </a:prstGeom>
+          <a:noFill/>
+        </p:spPr>
+        <p:txBody>
+          <a:bodyPr wrap="none" rtlCol="0">
+            <a:spAutoFit/>
+          </a:bodyPr>
+          <a:lstStyle/>
+          <a:p>
+            <a:r>
+              <a:rPr lang="en-US" sz="1800" dirty="0" smtClean="0">
+                <a:latin typeface="Arial"/>
+                <a:cs typeface="Arial"/>
+              </a:rPr>
+              <a:t>Changing business logic</a:t>
+            </a:r>
+            <a:endParaRPr lang="en-US" sz="1800" dirty="0" smtClean="0">
+              <a:latin typeface="Arial"/>
+              <a:cs typeface="Arial"/>
+            </a:endParaRPr>
           </a:p>
         </p:txBody>
       </p:sp>
     </p:spTree>
     <p:extLst>
       <p:ext uri="{BB962C8B-B14F-4D97-AF65-F5344CB8AC3E}">
-        <p14:creationId xmlns:p14="http://schemas.microsoft.com/office/powerpoint/2010/main" val="513779340"/>
+        <p14:creationId xmlns:p14="http://schemas.microsoft.com/office/powerpoint/2010/main" val="796081972"/>
       </p:ext>
     </p:extLst>
   </p:cSld>
   <p:clrMapOvr>
     <a:masterClrMapping/>
   </p:clrMapOvr>
+  <p:timing>
+    <p:tnLst>
+      <p:par>
+        <p:cTn id="1" dur="indefinite" restart="never" nodeType="tmRoot">
+          <p:childTnLst>
+            <p:seq concurrent="1" nextAc="seek">
+              <p:cTn id="2" dur="indefinite" nodeType="mainSeq">
+                <p:childTnLst>
+                  <p:par>
+                    <p:cTn id="3" fill="hold">
+                      <p:stCondLst>
+                        <p:cond delay="indefinite"/>
+                      </p:stCondLst>
+                      <p:childTnLst>
+                        <p:par>
+                          <p:cTn id="4" fill="hold">
+                            <p:stCondLst>
+                              <p:cond delay="0"/>
+                            </p:stCondLst>
+                            <p:childTnLst>
+                              <p:par>
+                                <p:cTn id="5" presetID="1" presetClass="entr" presetSubtype="0" fill="hold" grpId="0" nodeType="clickEffect">
+                                  <p:stCondLst>
+                                    <p:cond delay="0"/>
+                                  </p:stCondLst>
+                                  <p:childTnLst>
+                                    <p:set>
+                                      <p:cBhvr>
+                                        <p:cTn id="6" dur="1" fill="hold">
+                                          <p:stCondLst>
+                                            <p:cond delay="0"/>
+                                          </p:stCondLst>
+                                        </p:cTn>
+                                        <p:tgtEl>
+                                          <p:spTgt spid="5"/>
+                                        </p:tgtEl>
+                                        <p:attrNameLst>
+                                          <p:attrName>style.visibility</p:attrName>
+                                        </p:attrNameLst>
+                                      </p:cBhvr>
+                                      <p:to>
+                                        <p:strVal val="visible"/>
+                                      </p:to>
+                                    </p:set>
+                                  </p:childTnLst>
+                                </p:cTn>
+                              </p:par>
+                            </p:childTnLst>
+                          </p:cTn>
+                        </p:par>
+                      </p:childTnLst>
+                    </p:cTn>
+                  </p:par>
+                  <p:par>
+                    <p:cTn id="7" fill="hold">
+                      <p:stCondLst>
+                        <p:cond delay="indefinite"/>
+                      </p:stCondLst>
+                      <p:childTnLst>
+                        <p:par>
+                          <p:cTn id="8" fill="hold">
+                            <p:stCondLst>
+                              <p:cond delay="0"/>
+                            </p:stCondLst>
+                            <p:childTnLst>
+                              <p:par>
+                                <p:cTn id="9" presetID="1" presetClass="entr" presetSubtype="0" fill="hold" grpId="0" nodeType="clickEffect">
+                                  <p:stCondLst>
+                                    <p:cond delay="0"/>
+                                  </p:stCondLst>
+                                  <p:childTnLst>
+                                    <p:set>
+                                      <p:cBhvr>
+                                        <p:cTn id="10" dur="1" fill="hold">
+                                          <p:stCondLst>
+                                            <p:cond delay="0"/>
+                                          </p:stCondLst>
+                                        </p:cTn>
+                                        <p:tgtEl>
+                                          <p:spTgt spid="6"/>
+                                        </p:tgtEl>
+                                        <p:attrNameLst>
+                                          <p:attrName>style.visibility</p:attrName>
+                                        </p:attrNameLst>
+                                      </p:cBhvr>
+                                      <p:to>
+                                        <p:strVal val="visible"/>
+                                      </p:to>
+                                    </p:set>
+                                  </p:childTnLst>
+                                </p:cTn>
+                              </p:par>
+                            </p:childTnLst>
+                          </p:cTn>
+                        </p:par>
+                      </p:childTnLst>
+                    </p:cTn>
+                  </p:par>
+                  <p:par>
+                    <p:cTn id="11" fill="hold">
+                      <p:stCondLst>
+                        <p:cond delay="indefinite"/>
+                      </p:stCondLst>
+                      <p:childTnLst>
+                        <p:par>
+                          <p:cTn id="12" fill="hold">
+                            <p:stCondLst>
+                              <p:cond delay="0"/>
+                            </p:stCondLst>
+                            <p:childTnLst>
+                              <p:par>
+                                <p:cTn id="13" presetID="1" presetClass="entr" presetSubtype="0" fill="hold" grpId="0" nodeType="clickEffect">
+                                  <p:stCondLst>
+                                    <p:cond delay="0"/>
+                                  </p:stCondLst>
+                                  <p:childTnLst>
+                                    <p:set>
+                                      <p:cBhvr>
+                                        <p:cTn id="14" dur="1" fill="hold">
+                                          <p:stCondLst>
+                                            <p:cond delay="0"/>
+                                          </p:stCondLst>
+                                        </p:cTn>
+                                        <p:tgtEl>
+                                          <p:spTgt spid="7"/>
+                                        </p:tgtEl>
+                                        <p:attrNameLst>
+                                          <p:attrName>style.visibility</p:attrName>
+                                        </p:attrNameLst>
+                                      </p:cBhvr>
+                                      <p:to>
+                                        <p:strVal val="visible"/>
+                                      </p:to>
+                                    </p:set>
+                                  </p:childTnLst>
+                                </p:cTn>
+                              </p:par>
+                            </p:childTnLst>
+                          </p:cTn>
+                        </p:par>
+                      </p:childTnLst>
+                    </p:cTn>
+                  </p:par>
+                </p:childTnLst>
+              </p:cTn>
+              <p:prevCondLst>
+                <p:cond evt="onPrev" delay="0">
+                  <p:tgtEl>
+                    <p:sldTgt/>
+                  </p:tgtEl>
+                </p:cond>
+              </p:prevCondLst>
+              <p:nextCondLst>
+                <p:cond evt="onNext" delay="0">
+                  <p:tgtEl>
+                    <p:sldTgt/>
+                  </p:tgtEl>
+                </p:cond>
+              </p:nextCondLst>
+            </p:seq>
+          </p:childTnLst>
+        </p:cTn>
+      </p:par>
+    </p:tnLst>
+    <p:bldLst>
+      <p:bldP spid="5" grpId="0"/>
+      <p:bldP spid="6" grpId="0"/>
+      <p:bldP spid="7" grpId="0"/>
+    </p:bldLst>
+  </p:timing>
 </p:sld>
 </file>
 
@@ -4476,7 +4844,7 @@
           <a:p>
             <a:r>
               <a:rPr lang="en-US" dirty="0" smtClean="0"/>
-              <a:t>Scenario</a:t>
+              <a:t>What is it?</a:t>
             </a:r>
             <a:endParaRPr lang="en-US" dirty="0"/>
           </a:p>
@@ -4494,74 +4862,163 @@
         </p:nvSpPr>
         <p:spPr>
           <a:xfrm>
-            <a:off x="457200" y="1366179"/>
-            <a:ext cx="8229600" cy="4868365"/>
+            <a:off x="457200" y="1529542"/>
+            <a:ext cx="8229600" cy="3624348"/>
           </a:xfrm>
         </p:spPr>
         <p:txBody>
           <a:bodyPr/>
           <a:lstStyle/>
           <a:p>
+            <a:pPr marL="342900" lvl="0" indent="-342900" defTabSz="914400" eaLnBrk="1" fontAlgn="auto" hangingPunct="1">
+              <a:lnSpc>
+                <a:spcPct val="100000"/>
+              </a:lnSpc>
+              <a:spcBef>
+                <a:spcPts val="0"/>
+              </a:spcBef>
+              <a:spcAft>
+                <a:spcPts val="0"/>
+              </a:spcAft>
+              <a:buFont typeface="Arial" charset="0"/>
+              <a:buChar char="•"/>
+            </a:pPr>
+            <a:r>
+              <a:rPr lang="en-US" dirty="0"/>
+              <a:t>Behavior Driven Development (BDD) is a software development </a:t>
+            </a:r>
             <a:r>
               <a:rPr lang="en-US" dirty="0" smtClean="0"/>
-              <a:t>A team’s application contains a form that users use to input data.</a:t>
-            </a:r>
-          </a:p>
-          <a:p>
+              <a:t>process that </a:t>
+            </a:r>
+            <a:r>
+              <a:rPr lang="en-US" dirty="0"/>
+              <a:t>uses the principles of Test Driven Design (TDD) to provide </a:t>
+            </a:r>
+            <a:r>
+              <a:rPr lang="en-US" dirty="0" smtClean="0"/>
+              <a:t>the business </a:t>
+            </a:r>
+            <a:r>
+              <a:rPr lang="en-US" dirty="0"/>
+              <a:t>and technical sides of a team a shared process to create </a:t>
+            </a:r>
+            <a:r>
+              <a:rPr lang="en-US" dirty="0" smtClean="0"/>
+              <a:t>software.</a:t>
+            </a:r>
+            <a:endParaRPr lang="en-US" dirty="0"/>
+          </a:p>
+          <a:p>
+            <a:pPr marL="342900" lvl="0" indent="-342900" defTabSz="914400" eaLnBrk="1" fontAlgn="auto" hangingPunct="1">
+              <a:lnSpc>
+                <a:spcPct val="100000"/>
+              </a:lnSpc>
+              <a:spcBef>
+                <a:spcPts val="0"/>
+              </a:spcBef>
+              <a:spcAft>
+                <a:spcPts val="0"/>
+              </a:spcAft>
+              <a:buFont typeface="Arial" charset="0"/>
+              <a:buChar char="•"/>
+            </a:pPr>
             <a:endParaRPr lang="en-US" dirty="0" smtClean="0"/>
           </a:p>
           <a:p>
+            <a:pPr marL="342900" indent="-342900" defTabSz="914400" eaLnBrk="1" fontAlgn="auto" hangingPunct="1">
+              <a:lnSpc>
+                <a:spcPct val="100000"/>
+              </a:lnSpc>
+              <a:spcBef>
+                <a:spcPts val="0"/>
+              </a:spcBef>
+              <a:spcAft>
+                <a:spcPts val="0"/>
+              </a:spcAft>
+              <a:buFont typeface="Arial" charset="0"/>
+              <a:buChar char="•"/>
+            </a:pPr>
+            <a:r>
+              <a:rPr lang="en-US" dirty="0"/>
+              <a:t>The idea of BDD </a:t>
+            </a:r>
             <a:r>
               <a:rPr lang="en-US" dirty="0" smtClean="0"/>
-              <a:t>Product Manager: “If the phone number field contains more than 10 digits the 	page should display an error when the user submits.”</a:t>
-            </a:r>
-          </a:p>
-          <a:p>
+              <a:t>is to have tests that are based completely off of the business requirements. </a:t>
+            </a:r>
+            <a:endParaRPr lang="en-US" dirty="0"/>
+          </a:p>
+          <a:p>
+            <a:pPr marL="1085850" lvl="1" indent="-342900" defTabSz="914400" eaLnBrk="1" fontAlgn="auto" hangingPunct="1">
+              <a:spcBef>
+                <a:spcPts val="0"/>
+              </a:spcBef>
+              <a:spcAft>
+                <a:spcPts val="0"/>
+              </a:spcAft>
+              <a:buFont typeface="Arial" charset="0"/>
+              <a:buChar char="•"/>
+            </a:pPr>
             <a:r>
               <a:rPr lang="en-US" dirty="0" smtClean="0"/>
-              <a:t>Tester: “Ok I’ll include that in the test around the user info form.”</a:t>
-            </a:r>
-          </a:p>
-          <a:p>
-            <a:r>
-              <a:rPr lang="en-US" dirty="0"/>
-              <a:t>(</a:t>
-            </a:r>
-            <a:r>
-              <a:rPr lang="en-US" i="1" dirty="0" smtClean="0"/>
-              <a:t>Tester writes an automated test covering the form’s functionality including the 	phone number length validation</a:t>
-            </a:r>
+              <a:t>This requires close collaboration between the business and technical sides of the team, which leads to better understanding of the system for the entire team.</a:t>
+            </a:r>
+          </a:p>
+          <a:p>
+            <a:pPr marL="342900" lvl="0" indent="-342900" defTabSz="914400" eaLnBrk="1" fontAlgn="auto" hangingPunct="1">
+              <a:lnSpc>
+                <a:spcPct val="100000"/>
+              </a:lnSpc>
+              <a:spcBef>
+                <a:spcPts val="0"/>
+              </a:spcBef>
+              <a:spcAft>
+                <a:spcPts val="0"/>
+              </a:spcAft>
+              <a:buFont typeface="Arial" charset="0"/>
+              <a:buChar char="•"/>
+            </a:pPr>
+            <a:endParaRPr lang="en-US" dirty="0"/>
+          </a:p>
+          <a:p>
+            <a:pPr marL="342900" lvl="0" indent="-342900" defTabSz="914400" eaLnBrk="1" fontAlgn="auto" hangingPunct="1">
+              <a:lnSpc>
+                <a:spcPct val="100000"/>
+              </a:lnSpc>
+              <a:spcBef>
+                <a:spcPts val="0"/>
+              </a:spcBef>
+              <a:spcAft>
+                <a:spcPts val="0"/>
+              </a:spcAft>
+              <a:buFont typeface="Arial" charset="0"/>
+              <a:buChar char="•"/>
+            </a:pPr>
             <a:r>
               <a:rPr lang="en-US" dirty="0" smtClean="0"/>
-              <a:t>)</a:t>
-            </a:r>
-          </a:p>
-          <a:p>
-            <a:endParaRPr lang="en-US" dirty="0" smtClean="0"/>
-          </a:p>
-          <a:p>
-            <a:r>
-              <a:rPr lang="en-US" dirty="0" smtClean="0"/>
-              <a:t>One year later</a:t>
-            </a:r>
-            <a:r>
-              <a:rPr lang="is-IS" dirty="0" smtClean="0"/>
-              <a:t>…</a:t>
-            </a:r>
-            <a:endParaRPr lang="en-US" dirty="0" smtClean="0"/>
+              <a:t>Requires well defined and up to date requirements.</a:t>
+            </a:r>
           </a:p>
         </p:txBody>
       </p:sp>
     </p:spTree>
     <p:extLst>
       <p:ext uri="{BB962C8B-B14F-4D97-AF65-F5344CB8AC3E}">
-        <p14:creationId xmlns:p14="http://schemas.microsoft.com/office/powerpoint/2010/main" val="624891876"/>
+        <p14:creationId xmlns:p14="http://schemas.microsoft.com/office/powerpoint/2010/main" val="1215636210"/>
       </p:ext>
     </p:extLst>
   </p:cSld>
   <p:clrMapOvr>
     <a:masterClrMapping/>
   </p:clrMapOvr>
+  <p:timing>
+    <p:tnLst>
+      <p:par>
+        <p:cTn id="1" dur="indefinite" restart="never" nodeType="tmRoot"/>
+      </p:par>
+    </p:tnLst>
+  </p:timing>
 </p:sld>
 </file>
 
@@ -4599,7 +5056,7 @@
           <a:p>
             <a:r>
               <a:rPr lang="en-US" dirty="0" smtClean="0"/>
-              <a:t>Scenario</a:t>
+              <a:t>Important Terms</a:t>
             </a:r>
             <a:endParaRPr lang="en-US" dirty="0"/>
           </a:p>
@@ -4618,48 +5075,51 @@
         <p:spPr>
           <a:xfrm>
             <a:off x="457200" y="1366179"/>
-            <a:ext cx="8229600" cy="4768613"/>
+            <a:ext cx="8229600" cy="4635227"/>
           </a:xfrm>
         </p:spPr>
         <p:txBody>
           <a:bodyPr/>
           <a:lstStyle/>
           <a:p>
+            <a:pPr marL="285750" indent="-285750">
+              <a:buFont typeface="Arial" charset="0"/>
+              <a:buChar char="•"/>
+            </a:pPr>
             <a:r>
               <a:rPr lang="en-US" dirty="0" smtClean="0"/>
-              <a:t>The team’s application is being updated to support other countries. </a:t>
-            </a:r>
-          </a:p>
-          <a:p>
-            <a:endParaRPr lang="en-US" dirty="0" smtClean="0"/>
-          </a:p>
-          <a:p>
+              <a:t>Test Driven Development – a software development process that involves 	writing a test before the code to fulfil that test is created. “Write the test, 	watch it fail, make it pass”</a:t>
+            </a:r>
+          </a:p>
+          <a:p>
+            <a:pPr marL="285750" indent="-285750">
+              <a:buFont typeface="Arial" charset="0"/>
+              <a:buChar char="•"/>
+            </a:pPr>
             <a:r>
               <a:rPr lang="en-US" dirty="0" smtClean="0"/>
-              <a:t>Product Manager:  “To support international phone numbers, we need to allow 	up to 16 digits in the phone number field.”</a:t>
-            </a:r>
-          </a:p>
-          <a:p>
+              <a:t>Feature File – A file containing the requirements for the application. Written 	in readable language.</a:t>
+            </a:r>
+          </a:p>
+          <a:p>
+            <a:pPr marL="285750" indent="-285750">
+              <a:buFont typeface="Arial" charset="0"/>
+              <a:buChar char="•"/>
+            </a:pPr>
             <a:r>
               <a:rPr lang="en-US" dirty="0" smtClean="0"/>
-              <a:t>Tester: “Oh ok. I think that’s in one of our automated tests. Let me find and 	update it.”</a:t>
-            </a:r>
-          </a:p>
-          <a:p>
+              <a:t>Gherkin – a specially formatted and very readable language that feature files 	are typically written in.</a:t>
+            </a:r>
+          </a:p>
+          <a:p>
+            <a:pPr marL="1028700" lvl="1">
+              <a:buFont typeface="Arial" charset="0"/>
+              <a:buChar char="•"/>
+            </a:pPr>
             <a:r>
               <a:rPr lang="en-US" dirty="0" smtClean="0"/>
-              <a:t>(</a:t>
-            </a:r>
-            <a:r>
-              <a:rPr lang="en-US" i="1" dirty="0" smtClean="0"/>
-              <a:t>Tester spends time figuring out which test covers the text field in question and 	updates it. </a:t>
-            </a:r>
-            <a:r>
-              <a:rPr lang="en-US" dirty="0" smtClean="0"/>
-              <a:t>)</a:t>
-            </a:r>
-          </a:p>
-          <a:p>
+              <a:t>Given, When, Then format</a:t>
+            </a:r>
             <a:endParaRPr lang="en-US" dirty="0"/>
           </a:p>
         </p:txBody>
@@ -4667,13 +5127,20 @@
     </p:spTree>
     <p:extLst>
       <p:ext uri="{BB962C8B-B14F-4D97-AF65-F5344CB8AC3E}">
-        <p14:creationId xmlns:p14="http://schemas.microsoft.com/office/powerpoint/2010/main" val="1308946909"/>
+        <p14:creationId xmlns:p14="http://schemas.microsoft.com/office/powerpoint/2010/main" val="513779340"/>
       </p:ext>
     </p:extLst>
   </p:cSld>
   <p:clrMapOvr>
     <a:masterClrMapping/>
   </p:clrMapOvr>
+  <p:timing>
+    <p:tnLst>
+      <p:par>
+        <p:cTn id="1" dur="indefinite" restart="never" nodeType="tmRoot"/>
+      </p:par>
+    </p:tnLst>
+  </p:timing>
 </p:sld>
 </file>
 
@@ -4711,7 +5178,7 @@
           <a:p>
             <a:r>
               <a:rPr lang="en-US" dirty="0" smtClean="0"/>
-              <a:t>Scenario with BDD</a:t>
+              <a:t>Scenario</a:t>
             </a:r>
             <a:endParaRPr lang="en-US" dirty="0"/>
           </a:p>
@@ -4729,8 +5196,8 @@
         </p:nvSpPr>
         <p:spPr>
           <a:xfrm>
-            <a:off x="457200" y="1366180"/>
-            <a:ext cx="8229600" cy="4710424"/>
+            <a:off x="457200" y="1366179"/>
+            <a:ext cx="8229600" cy="4868365"/>
           </a:xfrm>
         </p:spPr>
         <p:txBody>
@@ -4738,37 +5205,33 @@
           <a:lstStyle/>
           <a:p>
             <a:r>
+              <a:rPr lang="en-US" dirty="0" smtClean="0"/>
+              <a:t>A team’s application contains a form that users use to input data.</a:t>
+            </a:r>
+          </a:p>
+          <a:p>
+            <a:endParaRPr lang="en-US" dirty="0" smtClean="0"/>
+          </a:p>
+          <a:p>
+            <a:r>
+              <a:rPr lang="en-US" dirty="0" smtClean="0"/>
+              <a:t>Product Manager: “If the phone number field contains more than 10 digits the 	page should display an error when the user submits.”</a:t>
+            </a:r>
+          </a:p>
+          <a:p>
+            <a:r>
+              <a:rPr lang="en-US" dirty="0" smtClean="0"/>
+              <a:t>Tester: “Ok I’ll include that in the test around the user info form.”</a:t>
+            </a:r>
+          </a:p>
+          <a:p>
+            <a:r>
               <a:rPr lang="en-US" dirty="0"/>
-              <a:t>A team’s application contains a form that users use to input data</a:t>
-            </a:r>
-            <a:r>
-              <a:rPr lang="en-US" dirty="0" smtClean="0"/>
-              <a:t>.</a:t>
-            </a:r>
-          </a:p>
-          <a:p>
-            <a:endParaRPr lang="en-US" dirty="0"/>
-          </a:p>
-          <a:p>
-            <a:r>
-              <a:rPr lang="en-US" dirty="0" smtClean="0"/>
-              <a:t>Product Manager: “I checked in the feature file with the form’s length validation 	requirements.”</a:t>
-            </a:r>
-          </a:p>
-          <a:p>
-            <a:r>
-              <a:rPr lang="en-US" dirty="0" smtClean="0"/>
-              <a:t>Tester: “Ok I’ll write the test for that feature.”</a:t>
-            </a:r>
-          </a:p>
-          <a:p>
-            <a:r>
-              <a:rPr lang="en-US" dirty="0" smtClean="0"/>
               <a:t>(</a:t>
             </a:r>
             <a:r>
               <a:rPr lang="en-US" i="1" dirty="0" smtClean="0"/>
-              <a:t>Tester writes a test based on the feature file supplied by Product Manager</a:t>
+              <a:t>Tester writes an automated test covering the form’s functionality including the 	phone number length validation</a:t>
             </a:r>
             <a:r>
               <a:rPr lang="en-US" dirty="0" smtClean="0"/>
@@ -4776,7 +5239,7 @@
             </a:r>
           </a:p>
           <a:p>
-            <a:endParaRPr lang="en-US" dirty="0"/>
+            <a:endParaRPr lang="en-US" dirty="0" smtClean="0"/>
           </a:p>
           <a:p>
             <a:r>
@@ -4787,26 +5250,27 @@
               <a:rPr lang="is-IS" dirty="0" smtClean="0"/>
               <a:t>…</a:t>
             </a:r>
-            <a:endParaRPr lang="en-US" dirty="0"/>
-          </a:p>
-          <a:p>
             <a:endParaRPr lang="en-US" dirty="0" smtClean="0"/>
-          </a:p>
-          <a:p>
-            <a:endParaRPr lang="en-US" dirty="0"/>
           </a:p>
         </p:txBody>
       </p:sp>
     </p:spTree>
     <p:extLst>
       <p:ext uri="{BB962C8B-B14F-4D97-AF65-F5344CB8AC3E}">
-        <p14:creationId xmlns:p14="http://schemas.microsoft.com/office/powerpoint/2010/main" val="1941057734"/>
+        <p14:creationId xmlns:p14="http://schemas.microsoft.com/office/powerpoint/2010/main" val="624891876"/>
       </p:ext>
     </p:extLst>
   </p:cSld>
   <p:clrMapOvr>
     <a:masterClrMapping/>
   </p:clrMapOvr>
+  <p:timing>
+    <p:tnLst>
+      <p:par>
+        <p:cTn id="1" dur="indefinite" restart="never" nodeType="tmRoot"/>
+      </p:par>
+    </p:tnLst>
+  </p:timing>
 </p:sld>
 </file>
 
@@ -4843,9 +5307,10 @@
           <a:lstStyle/>
           <a:p>
             <a:r>
-              <a:rPr lang="en-US" dirty="0"/>
-              <a:t>Scenario with BDD</a:t>
-            </a:r>
+              <a:rPr lang="en-US" dirty="0" smtClean="0"/>
+              <a:t>Scenario</a:t>
+            </a:r>
+            <a:endParaRPr lang="en-US" dirty="0"/>
           </a:p>
         </p:txBody>
       </p:sp>
@@ -4861,8 +5326,8 @@
         </p:nvSpPr>
         <p:spPr>
           <a:xfrm>
-            <a:off x="457200" y="1366180"/>
-            <a:ext cx="8229600" cy="4668860"/>
+            <a:off x="457200" y="1366179"/>
+            <a:ext cx="8229600" cy="4768613"/>
           </a:xfrm>
         </p:spPr>
         <p:txBody>
@@ -4870,32 +5335,23 @@
           <a:lstStyle/>
           <a:p>
             <a:r>
-              <a:rPr lang="en-US" dirty="0"/>
+              <a:rPr lang="en-US" dirty="0" smtClean="0"/>
               <a:t>The team’s application is being updated to support other countries. </a:t>
             </a:r>
+          </a:p>
+          <a:p>
             <a:endParaRPr lang="en-US" dirty="0" smtClean="0"/>
           </a:p>
           <a:p>
-            <a:endParaRPr lang="en-US" dirty="0"/>
-          </a:p>
-          <a:p>
             <a:r>
               <a:rPr lang="en-US" dirty="0" smtClean="0"/>
-              <a:t>Product Manager: “</a:t>
-            </a:r>
-            <a:r>
-              <a:rPr lang="en-US" dirty="0"/>
-              <a:t>To support international phone numbers, we need to allow 	up to 16 digits in the phone number field</a:t>
-            </a:r>
+              <a:t>Product Manager:  “To support international phone numbers, we need to allow 	up to 16 digits in the phone number field.”</a:t>
+            </a:r>
+          </a:p>
+          <a:p>
             <a:r>
               <a:rPr lang="en-US" dirty="0" smtClean="0"/>
-              <a:t>. I’ll update the feature file to 	reflect this changed requirement.”</a:t>
-            </a:r>
-          </a:p>
-          <a:p>
-            <a:r>
-              <a:rPr lang="en-US" dirty="0" smtClean="0"/>
-              <a:t>Tester: “Perfect! The test pulls in the field length value from the feature file. So 	the test doesn’t need to be modified.”</a:t>
+              <a:t>Tester: “Oh ok. I think that’s in one of our automated tests. Let me find and 	update it.”</a:t>
             </a:r>
           </a:p>
           <a:p>
@@ -4905,13 +5361,12 @@
             </a:r>
             <a:r>
               <a:rPr lang="en-US" i="1" dirty="0" smtClean="0"/>
-              <a:t>Tester continues to work on other tasks related to the internationalization project.</a:t>
+              <a:t>Tester spends time figuring out which test covers the text field in question and 	updates it. </a:t>
             </a:r>
             <a:r>
               <a:rPr lang="en-US" dirty="0" smtClean="0"/>
               <a:t>)</a:t>
             </a:r>
-            <a:endParaRPr lang="en-US" dirty="0"/>
           </a:p>
           <a:p>
             <a:endParaRPr lang="en-US" dirty="0"/>
@@ -4921,13 +5376,20 @@
     </p:spTree>
     <p:extLst>
       <p:ext uri="{BB962C8B-B14F-4D97-AF65-F5344CB8AC3E}">
-        <p14:creationId xmlns:p14="http://schemas.microsoft.com/office/powerpoint/2010/main" val="1773089857"/>
+        <p14:creationId xmlns:p14="http://schemas.microsoft.com/office/powerpoint/2010/main" val="1308946909"/>
       </p:ext>
     </p:extLst>
   </p:cSld>
   <p:clrMapOvr>
     <a:masterClrMapping/>
   </p:clrMapOvr>
+  <p:timing>
+    <p:tnLst>
+      <p:par>
+        <p:cTn id="1" dur="indefinite" restart="never" nodeType="tmRoot"/>
+      </p:par>
+    </p:tnLst>
+  </p:timing>
 </p:sld>
 </file>
 
@@ -4965,7 +5427,7 @@
           <a:p>
             <a:r>
               <a:rPr lang="en-US" dirty="0" smtClean="0"/>
-              <a:t>Scenario Takeaways</a:t>
+              <a:t>Scenario with BDD</a:t>
             </a:r>
             <a:endParaRPr lang="en-US" dirty="0"/>
           </a:p>
@@ -4984,74 +5446,16 @@
         <p:spPr>
           <a:xfrm>
             <a:off x="457200" y="1366180"/>
-            <a:ext cx="8229600" cy="4729820"/>
+            <a:ext cx="8229600" cy="4710424"/>
           </a:xfrm>
         </p:spPr>
         <p:txBody>
           <a:bodyPr/>
           <a:lstStyle/>
           <a:p>
-            <a:pPr marL="285750" indent="-285750">
-              <a:buFont typeface="Arial" charset="0"/>
-              <a:buChar char="•"/>
-            </a:pPr>
-            <a:r>
-              <a:rPr lang="en-US" dirty="0" smtClean="0"/>
-              <a:t>In both scenarios, the team successfully covered their requirement with an </a:t>
-            </a:r>
-            <a:r>
-              <a:rPr lang="en-US" dirty="0" smtClean="0"/>
-              <a:t>	automated </a:t>
-            </a:r>
-            <a:r>
-              <a:rPr lang="en-US" dirty="0" smtClean="0"/>
-              <a:t>test, but in the BDD scenario, much less time was spent </a:t>
-            </a:r>
-            <a:r>
-              <a:rPr lang="en-US" dirty="0" smtClean="0"/>
-              <a:t>	updating </a:t>
-            </a:r>
-            <a:r>
-              <a:rPr lang="en-US" dirty="0" smtClean="0"/>
-              <a:t>tests. Also, a technical member of the team was not needed to </a:t>
-            </a:r>
-            <a:r>
-              <a:rPr lang="en-US" dirty="0" smtClean="0"/>
-              <a:t>	update </a:t>
-            </a:r>
-            <a:r>
-              <a:rPr lang="en-US" dirty="0" smtClean="0"/>
-              <a:t>the test.</a:t>
-            </a:r>
-          </a:p>
-          <a:p>
-            <a:pPr marL="285750" indent="-285750">
-              <a:buFont typeface="Arial" charset="0"/>
-              <a:buChar char="•"/>
-            </a:pPr>
-            <a:r>
-              <a:rPr lang="en-US" dirty="0" smtClean="0"/>
-              <a:t>In the BDD scenario the TDD philosophy of update the test, watch it fail, </a:t>
-            </a:r>
-            <a:r>
-              <a:rPr lang="en-US" dirty="0" smtClean="0"/>
-              <a:t>	make </a:t>
-            </a:r>
-            <a:r>
-              <a:rPr lang="en-US" dirty="0" smtClean="0"/>
-              <a:t>it pass is followed. In the regular scenario the unmodified test will </a:t>
-            </a:r>
-            <a:r>
-              <a:rPr lang="en-US" dirty="0" smtClean="0"/>
-              <a:t>	continue </a:t>
-            </a:r>
-            <a:r>
-              <a:rPr lang="en-US" dirty="0" smtClean="0"/>
-              <a:t>to pass until the application is updated to match the new </a:t>
-            </a:r>
-            <a:r>
-              <a:rPr lang="en-US" dirty="0" smtClean="0"/>
-              <a:t>	requirement</a:t>
+            <a:r>
+              <a:rPr lang="en-US" dirty="0"/>
+              <a:t>A team’s application contains a form that users use to input data</a:t>
             </a:r>
             <a:r>
               <a:rPr lang="en-US" dirty="0" smtClean="0"/>
@@ -5059,10 +5463,49 @@
             </a:r>
           </a:p>
           <a:p>
-            <a:pPr marL="285750" indent="-285750">
-              <a:buFont typeface="Arial" charset="0"/>
-              <a:buChar char="•"/>
-            </a:pPr>
+            <a:endParaRPr lang="en-US" dirty="0"/>
+          </a:p>
+          <a:p>
+            <a:r>
+              <a:rPr lang="en-US" dirty="0" smtClean="0"/>
+              <a:t>Product Manager: “I checked in the feature file with the form’s length validation 	requirements.”</a:t>
+            </a:r>
+          </a:p>
+          <a:p>
+            <a:r>
+              <a:rPr lang="en-US" dirty="0" smtClean="0"/>
+              <a:t>Tester: “Ok I’ll write the test for that feature.”</a:t>
+            </a:r>
+          </a:p>
+          <a:p>
+            <a:r>
+              <a:rPr lang="en-US" dirty="0" smtClean="0"/>
+              <a:t>(</a:t>
+            </a:r>
+            <a:r>
+              <a:rPr lang="en-US" i="1" dirty="0" smtClean="0"/>
+              <a:t>Tester writes a test based on the feature file supplied by Product Manager</a:t>
+            </a:r>
+            <a:r>
+              <a:rPr lang="en-US" dirty="0" smtClean="0"/>
+              <a:t>)</a:t>
+            </a:r>
+          </a:p>
+          <a:p>
+            <a:endParaRPr lang="en-US" dirty="0"/>
+          </a:p>
+          <a:p>
+            <a:r>
+              <a:rPr lang="en-US" dirty="0" smtClean="0"/>
+              <a:t>One year later</a:t>
+            </a:r>
+            <a:r>
+              <a:rPr lang="is-IS" dirty="0" smtClean="0"/>
+              <a:t>…</a:t>
+            </a:r>
+            <a:endParaRPr lang="en-US" dirty="0"/>
+          </a:p>
+          <a:p>
             <a:endParaRPr lang="en-US" dirty="0" smtClean="0"/>
           </a:p>
           <a:p>
@@ -5073,7 +5516,7 @@
     </p:spTree>
     <p:extLst>
       <p:ext uri="{BB962C8B-B14F-4D97-AF65-F5344CB8AC3E}">
-        <p14:creationId xmlns:p14="http://schemas.microsoft.com/office/powerpoint/2010/main" val="1235295227"/>
+        <p14:creationId xmlns:p14="http://schemas.microsoft.com/office/powerpoint/2010/main" val="1941057734"/>
       </p:ext>
     </p:extLst>
   </p:cSld>

--- a/BDD.pptx
+++ b/BDD.pptx
@@ -412,7 +412,7 @@
             <a:fld id="{FEE93A03-1206-4179-8BFD-D87BEE1D9944}" type="datetimeFigureOut">
               <a:rPr lang="en-US" altLang="en-US"/>
               <a:pPr/>
-              <a:t>6/15/16</a:t>
+              <a:t>6/21/16</a:t>
             </a:fld>
             <a:endParaRPr lang="en-US" altLang="en-US"/>
           </a:p>
@@ -621,7 +621,7 @@
             <a:fld id="{23E2F853-0133-45EC-AB11-8D02543E75D3}" type="datetimeFigureOut">
               <a:rPr lang="en-US" altLang="en-US"/>
               <a:pPr/>
-              <a:t>6/15/16</a:t>
+              <a:t>6/21/16</a:t>
             </a:fld>
             <a:endParaRPr lang="en-US" altLang="en-US"/>
           </a:p>
@@ -1135,14 +1135,14 @@
           </a:ln>
           <a:extLst>
             <a:ext uri="{909E8E84-426E-40dd-AFC4-6F175D3DCCD1}">
-              <a14:hiddenFill xmlns="" xmlns:a14="http://schemas.microsoft.com/office/drawing/2010/main">
+              <a14:hiddenFill xmlns:a14="http://schemas.microsoft.com/office/drawing/2010/main" xmlns="">
                 <a:solidFill>
                   <a:srgbClr val="FFFFFF"/>
                 </a:solidFill>
               </a14:hiddenFill>
             </a:ext>
             <a:ext uri="{91240B29-F687-4f45-9708-019B960494DF}">
-              <a14:hiddenLine xmlns="" xmlns:a14="http://schemas.microsoft.com/office/drawing/2010/main" w="9525">
+              <a14:hiddenLine xmlns:a14="http://schemas.microsoft.com/office/drawing/2010/main" xmlns="" w="9525">
                 <a:solidFill>
                   <a:srgbClr val="000000"/>
                 </a:solidFill>
@@ -3579,6 +3579,235 @@
   <p:clrMapOvr>
     <a:masterClrMapping/>
   </p:clrMapOvr>
+  <p:timing>
+    <p:tnLst>
+      <p:par>
+        <p:cTn id="1" dur="indefinite" restart="never" nodeType="tmRoot">
+          <p:childTnLst>
+            <p:seq concurrent="1" nextAc="seek">
+              <p:cTn id="2" dur="indefinite" nodeType="mainSeq">
+                <p:childTnLst>
+                  <p:par>
+                    <p:cTn id="3" fill="hold">
+                      <p:stCondLst>
+                        <p:cond delay="indefinite"/>
+                      </p:stCondLst>
+                      <p:childTnLst>
+                        <p:par>
+                          <p:cTn id="4" fill="hold">
+                            <p:stCondLst>
+                              <p:cond delay="0"/>
+                            </p:stCondLst>
+                            <p:childTnLst>
+                              <p:par>
+                                <p:cTn id="5" presetID="1" presetClass="entr" presetSubtype="0" fill="hold" grpId="0" nodeType="clickEffect">
+                                  <p:stCondLst>
+                                    <p:cond delay="0"/>
+                                  </p:stCondLst>
+                                  <p:childTnLst>
+                                    <p:set>
+                                      <p:cBhvr>
+                                        <p:cTn id="6" dur="1" fill="hold">
+                                          <p:stCondLst>
+                                            <p:cond delay="0"/>
+                                          </p:stCondLst>
+                                        </p:cTn>
+                                        <p:tgtEl>
+                                          <p:spTgt spid="3">
+                                            <p:txEl>
+                                              <p:pRg st="0" end="0"/>
+                                            </p:txEl>
+                                          </p:spTgt>
+                                        </p:tgtEl>
+                                        <p:attrNameLst>
+                                          <p:attrName>style.visibility</p:attrName>
+                                        </p:attrNameLst>
+                                      </p:cBhvr>
+                                      <p:to>
+                                        <p:strVal val="visible"/>
+                                      </p:to>
+                                    </p:set>
+                                  </p:childTnLst>
+                                </p:cTn>
+                              </p:par>
+                            </p:childTnLst>
+                          </p:cTn>
+                        </p:par>
+                      </p:childTnLst>
+                    </p:cTn>
+                  </p:par>
+                  <p:par>
+                    <p:cTn id="7" fill="hold">
+                      <p:stCondLst>
+                        <p:cond delay="indefinite"/>
+                      </p:stCondLst>
+                      <p:childTnLst>
+                        <p:par>
+                          <p:cTn id="8" fill="hold">
+                            <p:stCondLst>
+                              <p:cond delay="0"/>
+                            </p:stCondLst>
+                            <p:childTnLst>
+                              <p:par>
+                                <p:cTn id="9" presetID="1" presetClass="entr" presetSubtype="0" fill="hold" grpId="0" nodeType="clickEffect">
+                                  <p:stCondLst>
+                                    <p:cond delay="0"/>
+                                  </p:stCondLst>
+                                  <p:childTnLst>
+                                    <p:set>
+                                      <p:cBhvr>
+                                        <p:cTn id="10" dur="1" fill="hold">
+                                          <p:stCondLst>
+                                            <p:cond delay="0"/>
+                                          </p:stCondLst>
+                                        </p:cTn>
+                                        <p:tgtEl>
+                                          <p:spTgt spid="3">
+                                            <p:txEl>
+                                              <p:pRg st="2" end="2"/>
+                                            </p:txEl>
+                                          </p:spTgt>
+                                        </p:tgtEl>
+                                        <p:attrNameLst>
+                                          <p:attrName>style.visibility</p:attrName>
+                                        </p:attrNameLst>
+                                      </p:cBhvr>
+                                      <p:to>
+                                        <p:strVal val="visible"/>
+                                      </p:to>
+                                    </p:set>
+                                  </p:childTnLst>
+                                </p:cTn>
+                              </p:par>
+                            </p:childTnLst>
+                          </p:cTn>
+                        </p:par>
+                      </p:childTnLst>
+                    </p:cTn>
+                  </p:par>
+                  <p:par>
+                    <p:cTn id="11" fill="hold">
+                      <p:stCondLst>
+                        <p:cond delay="indefinite"/>
+                      </p:stCondLst>
+                      <p:childTnLst>
+                        <p:par>
+                          <p:cTn id="12" fill="hold">
+                            <p:stCondLst>
+                              <p:cond delay="0"/>
+                            </p:stCondLst>
+                            <p:childTnLst>
+                              <p:par>
+                                <p:cTn id="13" presetID="1" presetClass="entr" presetSubtype="0" fill="hold" grpId="0" nodeType="clickEffect">
+                                  <p:stCondLst>
+                                    <p:cond delay="0"/>
+                                  </p:stCondLst>
+                                  <p:childTnLst>
+                                    <p:set>
+                                      <p:cBhvr>
+                                        <p:cTn id="14" dur="1" fill="hold">
+                                          <p:stCondLst>
+                                            <p:cond delay="0"/>
+                                          </p:stCondLst>
+                                        </p:cTn>
+                                        <p:tgtEl>
+                                          <p:spTgt spid="3">
+                                            <p:txEl>
+                                              <p:pRg st="3" end="3"/>
+                                            </p:txEl>
+                                          </p:spTgt>
+                                        </p:tgtEl>
+                                        <p:attrNameLst>
+                                          <p:attrName>style.visibility</p:attrName>
+                                        </p:attrNameLst>
+                                      </p:cBhvr>
+                                      <p:to>
+                                        <p:strVal val="visible"/>
+                                      </p:to>
+                                    </p:set>
+                                  </p:childTnLst>
+                                </p:cTn>
+                              </p:par>
+                            </p:childTnLst>
+                          </p:cTn>
+                        </p:par>
+                      </p:childTnLst>
+                    </p:cTn>
+                  </p:par>
+                  <p:par>
+                    <p:cTn id="15" fill="hold">
+                      <p:stCondLst>
+                        <p:cond delay="indefinite"/>
+                      </p:stCondLst>
+                      <p:childTnLst>
+                        <p:par>
+                          <p:cTn id="16" fill="hold">
+                            <p:stCondLst>
+                              <p:cond delay="0"/>
+                            </p:stCondLst>
+                            <p:childTnLst>
+                              <p:par>
+                                <p:cTn id="17" presetID="1" presetClass="entr" presetSubtype="0" fill="hold" grpId="0" nodeType="clickEffect">
+                                  <p:stCondLst>
+                                    <p:cond delay="0"/>
+                                  </p:stCondLst>
+                                  <p:childTnLst>
+                                    <p:set>
+                                      <p:cBhvr>
+                                        <p:cTn id="18" dur="1" fill="hold">
+                                          <p:stCondLst>
+                                            <p:cond delay="0"/>
+                                          </p:stCondLst>
+                                        </p:cTn>
+                                        <p:tgtEl>
+                                          <p:spTgt spid="3">
+                                            <p:txEl>
+                                              <p:pRg st="4" end="4"/>
+                                            </p:txEl>
+                                          </p:spTgt>
+                                        </p:tgtEl>
+                                        <p:attrNameLst>
+                                          <p:attrName>style.visibility</p:attrName>
+                                        </p:attrNameLst>
+                                      </p:cBhvr>
+                                      <p:to>
+                                        <p:strVal val="visible"/>
+                                      </p:to>
+                                    </p:set>
+                                  </p:childTnLst>
+                                </p:cTn>
+                              </p:par>
+                            </p:childTnLst>
+                          </p:cTn>
+                        </p:par>
+                      </p:childTnLst>
+                    </p:cTn>
+                  </p:par>
+                </p:childTnLst>
+              </p:cTn>
+              <p:prevCondLst>
+                <p:cond evt="onPrev" delay="0">
+                  <p:tgtEl>
+                    <p:sldTgt/>
+                  </p:tgtEl>
+                </p:cond>
+              </p:prevCondLst>
+              <p:nextCondLst>
+                <p:cond evt="onNext" delay="0">
+                  <p:tgtEl>
+                    <p:sldTgt/>
+                  </p:tgtEl>
+                </p:cond>
+              </p:nextCondLst>
+            </p:seq>
+          </p:childTnLst>
+        </p:cTn>
+      </p:par>
+    </p:tnLst>
+    <p:bldLst>
+      <p:bldP spid="3" grpId="0" build="p"/>
+    </p:bldLst>
+  </p:timing>
 </p:sld>
 </file>
 
@@ -3683,6 +3912,13 @@
   <p:clrMapOvr>
     <a:masterClrMapping/>
   </p:clrMapOvr>
+  <p:timing>
+    <p:tnLst>
+      <p:par>
+        <p:cTn id="1" dur="indefinite" restart="never" nodeType="tmRoot"/>
+      </p:par>
+    </p:tnLst>
+  </p:timing>
 </p:sld>
 </file>
 
@@ -4035,6 +4271,13 @@
   <p:clrMapOvr>
     <a:masterClrMapping/>
   </p:clrMapOvr>
+  <p:timing>
+    <p:tnLst>
+      <p:par>
+        <p:cTn id="1" dur="indefinite" restart="never" nodeType="tmRoot"/>
+      </p:par>
+    </p:tnLst>
+  </p:timing>
 </p:sld>
 </file>
 
@@ -4416,6 +4659,13 @@
   <p:clrMapOvr>
     <a:masterClrMapping/>
   </p:clrMapOvr>
+  <p:timing>
+    <p:tnLst>
+      <p:par>
+        <p:cTn id="1" dur="indefinite" restart="never" nodeType="tmRoot"/>
+      </p:par>
+    </p:tnLst>
+  </p:timing>
 </p:sld>
 </file>
 
@@ -4584,10 +4834,6 @@
               </a:rPr>
               <a:t>Am I testing the right thing?</a:t>
             </a:r>
-            <a:endParaRPr lang="en-US" sz="1800" dirty="0" smtClean="0">
-              <a:latin typeface="Arial"/>
-              <a:cs typeface="Arial"/>
-            </a:endParaRPr>
           </a:p>
         </p:txBody>
       </p:sp>
@@ -4620,10 +4866,6 @@
               </a:rPr>
               <a:t>Changing business logic</a:t>
             </a:r>
-            <a:endParaRPr lang="en-US" sz="1800" dirty="0" smtClean="0">
-              <a:latin typeface="Arial"/>
-              <a:cs typeface="Arial"/>
-            </a:endParaRPr>
           </a:p>
         </p:txBody>
       </p:sp>
@@ -5267,9 +5509,280 @@
   <p:timing>
     <p:tnLst>
       <p:par>
-        <p:cTn id="1" dur="indefinite" restart="never" nodeType="tmRoot"/>
+        <p:cTn id="1" dur="indefinite" restart="never" nodeType="tmRoot">
+          <p:childTnLst>
+            <p:seq concurrent="1" nextAc="seek">
+              <p:cTn id="2" dur="indefinite" nodeType="mainSeq">
+                <p:childTnLst>
+                  <p:par>
+                    <p:cTn id="3" fill="hold">
+                      <p:stCondLst>
+                        <p:cond delay="indefinite"/>
+                      </p:stCondLst>
+                      <p:childTnLst>
+                        <p:par>
+                          <p:cTn id="4" fill="hold">
+                            <p:stCondLst>
+                              <p:cond delay="0"/>
+                            </p:stCondLst>
+                            <p:childTnLst>
+                              <p:par>
+                                <p:cTn id="5" presetID="1" presetClass="entr" presetSubtype="0" fill="hold" grpId="0" nodeType="clickEffect">
+                                  <p:stCondLst>
+                                    <p:cond delay="0"/>
+                                  </p:stCondLst>
+                                  <p:childTnLst>
+                                    <p:set>
+                                      <p:cBhvr>
+                                        <p:cTn id="6" dur="1" fill="hold">
+                                          <p:stCondLst>
+                                            <p:cond delay="0"/>
+                                          </p:stCondLst>
+                                        </p:cTn>
+                                        <p:tgtEl>
+                                          <p:spTgt spid="3">
+                                            <p:txEl>
+                                              <p:pRg st="0" end="0"/>
+                                            </p:txEl>
+                                          </p:spTgt>
+                                        </p:tgtEl>
+                                        <p:attrNameLst>
+                                          <p:attrName>style.visibility</p:attrName>
+                                        </p:attrNameLst>
+                                      </p:cBhvr>
+                                      <p:to>
+                                        <p:strVal val="visible"/>
+                                      </p:to>
+                                    </p:set>
+                                  </p:childTnLst>
+                                </p:cTn>
+                              </p:par>
+                            </p:childTnLst>
+                          </p:cTn>
+                        </p:par>
+                      </p:childTnLst>
+                    </p:cTn>
+                  </p:par>
+                  <p:par>
+                    <p:cTn id="7" fill="hold">
+                      <p:stCondLst>
+                        <p:cond delay="indefinite"/>
+                      </p:stCondLst>
+                      <p:childTnLst>
+                        <p:par>
+                          <p:cTn id="8" fill="hold">
+                            <p:stCondLst>
+                              <p:cond delay="0"/>
+                            </p:stCondLst>
+                            <p:childTnLst>
+                              <p:par>
+                                <p:cTn id="9" presetID="1" presetClass="entr" presetSubtype="0" fill="hold" grpId="0" nodeType="clickEffect">
+                                  <p:stCondLst>
+                                    <p:cond delay="0"/>
+                                  </p:stCondLst>
+                                  <p:childTnLst>
+                                    <p:set>
+                                      <p:cBhvr>
+                                        <p:cTn id="10" dur="1" fill="hold">
+                                          <p:stCondLst>
+                                            <p:cond delay="0"/>
+                                          </p:stCondLst>
+                                        </p:cTn>
+                                        <p:tgtEl>
+                                          <p:spTgt spid="3">
+                                            <p:txEl>
+                                              <p:pRg st="2" end="2"/>
+                                            </p:txEl>
+                                          </p:spTgt>
+                                        </p:tgtEl>
+                                        <p:attrNameLst>
+                                          <p:attrName>style.visibility</p:attrName>
+                                        </p:attrNameLst>
+                                      </p:cBhvr>
+                                      <p:to>
+                                        <p:strVal val="visible"/>
+                                      </p:to>
+                                    </p:set>
+                                  </p:childTnLst>
+                                </p:cTn>
+                              </p:par>
+                            </p:childTnLst>
+                          </p:cTn>
+                        </p:par>
+                      </p:childTnLst>
+                    </p:cTn>
+                  </p:par>
+                  <p:par>
+                    <p:cTn id="11" fill="hold">
+                      <p:stCondLst>
+                        <p:cond delay="indefinite"/>
+                      </p:stCondLst>
+                      <p:childTnLst>
+                        <p:par>
+                          <p:cTn id="12" fill="hold">
+                            <p:stCondLst>
+                              <p:cond delay="0"/>
+                            </p:stCondLst>
+                            <p:childTnLst>
+                              <p:par>
+                                <p:cTn id="13" presetID="1" presetClass="entr" presetSubtype="0" fill="hold" grpId="0" nodeType="clickEffect">
+                                  <p:stCondLst>
+                                    <p:cond delay="0"/>
+                                  </p:stCondLst>
+                                  <p:childTnLst>
+                                    <p:set>
+                                      <p:cBhvr>
+                                        <p:cTn id="14" dur="1" fill="hold">
+                                          <p:stCondLst>
+                                            <p:cond delay="0"/>
+                                          </p:stCondLst>
+                                        </p:cTn>
+                                        <p:tgtEl>
+                                          <p:spTgt spid="3">
+                                            <p:txEl>
+                                              <p:pRg st="3" end="3"/>
+                                            </p:txEl>
+                                          </p:spTgt>
+                                        </p:tgtEl>
+                                        <p:attrNameLst>
+                                          <p:attrName>style.visibility</p:attrName>
+                                        </p:attrNameLst>
+                                      </p:cBhvr>
+                                      <p:to>
+                                        <p:strVal val="visible"/>
+                                      </p:to>
+                                    </p:set>
+                                  </p:childTnLst>
+                                </p:cTn>
+                              </p:par>
+                            </p:childTnLst>
+                          </p:cTn>
+                        </p:par>
+                      </p:childTnLst>
+                    </p:cTn>
+                  </p:par>
+                  <p:par>
+                    <p:cTn id="15" fill="hold">
+                      <p:stCondLst>
+                        <p:cond delay="indefinite"/>
+                      </p:stCondLst>
+                      <p:childTnLst>
+                        <p:par>
+                          <p:cTn id="16" fill="hold">
+                            <p:stCondLst>
+                              <p:cond delay="0"/>
+                            </p:stCondLst>
+                            <p:childTnLst>
+                              <p:par>
+                                <p:cTn id="17" presetID="1" presetClass="entr" presetSubtype="0" fill="hold" grpId="0" nodeType="clickEffect">
+                                  <p:stCondLst>
+                                    <p:cond delay="0"/>
+                                  </p:stCondLst>
+                                  <p:childTnLst>
+                                    <p:set>
+                                      <p:cBhvr>
+                                        <p:cTn id="18" dur="1" fill="hold">
+                                          <p:stCondLst>
+                                            <p:cond delay="0"/>
+                                          </p:stCondLst>
+                                        </p:cTn>
+                                        <p:tgtEl>
+                                          <p:spTgt spid="3">
+                                            <p:txEl>
+                                              <p:pRg st="4" end="4"/>
+                                            </p:txEl>
+                                          </p:spTgt>
+                                        </p:tgtEl>
+                                        <p:attrNameLst>
+                                          <p:attrName>style.visibility</p:attrName>
+                                        </p:attrNameLst>
+                                      </p:cBhvr>
+                                      <p:to>
+                                        <p:strVal val="visible"/>
+                                      </p:to>
+                                    </p:set>
+                                  </p:childTnLst>
+                                </p:cTn>
+                              </p:par>
+                            </p:childTnLst>
+                          </p:cTn>
+                        </p:par>
+                      </p:childTnLst>
+                    </p:cTn>
+                  </p:par>
+                  <p:par>
+                    <p:cTn id="19" fill="hold">
+                      <p:stCondLst>
+                        <p:cond delay="indefinite"/>
+                      </p:stCondLst>
+                      <p:childTnLst>
+                        <p:par>
+                          <p:cTn id="20" fill="hold">
+                            <p:stCondLst>
+                              <p:cond delay="0"/>
+                            </p:stCondLst>
+                            <p:childTnLst>
+                              <p:par>
+                                <p:cTn id="21" presetID="1" presetClass="entr" presetSubtype="0" fill="hold" grpId="0" nodeType="clickEffect">
+                                  <p:stCondLst>
+                                    <p:cond delay="0"/>
+                                  </p:stCondLst>
+                                  <p:childTnLst>
+                                    <p:set>
+                                      <p:cBhvr>
+                                        <p:cTn id="22" dur="1" fill="hold">
+                                          <p:stCondLst>
+                                            <p:cond delay="0"/>
+                                          </p:stCondLst>
+                                        </p:cTn>
+                                        <p:tgtEl>
+                                          <p:spTgt spid="3">
+                                            <p:txEl>
+                                              <p:pRg st="6" end="6"/>
+                                            </p:txEl>
+                                          </p:spTgt>
+                                        </p:tgtEl>
+                                        <p:attrNameLst>
+                                          <p:attrName>style.visibility</p:attrName>
+                                        </p:attrNameLst>
+                                      </p:cBhvr>
+                                      <p:to>
+                                        <p:strVal val="visible"/>
+                                      </p:to>
+                                    </p:set>
+                                  </p:childTnLst>
+                                </p:cTn>
+                              </p:par>
+                            </p:childTnLst>
+                          </p:cTn>
+                        </p:par>
+                      </p:childTnLst>
+                    </p:cTn>
+                  </p:par>
+                </p:childTnLst>
+              </p:cTn>
+              <p:prevCondLst>
+                <p:cond evt="onPrev" delay="0">
+                  <p:tgtEl>
+                    <p:sldTgt/>
+                  </p:tgtEl>
+                </p:cond>
+              </p:prevCondLst>
+              <p:nextCondLst>
+                <p:cond evt="onNext" delay="0">
+                  <p:tgtEl>
+                    <p:sldTgt/>
+                  </p:tgtEl>
+                </p:cond>
+              </p:nextCondLst>
+            </p:seq>
+          </p:childTnLst>
+        </p:cTn>
       </p:par>
     </p:tnLst>
+    <p:bldLst>
+      <p:bldP spid="3" grpId="0" uiExpand="1" build="p"/>
+    </p:bldLst>
   </p:timing>
 </p:sld>
 </file>
@@ -5386,9 +5899,231 @@
   <p:timing>
     <p:tnLst>
       <p:par>
-        <p:cTn id="1" dur="indefinite" restart="never" nodeType="tmRoot"/>
+        <p:cTn id="1" dur="indefinite" restart="never" nodeType="tmRoot">
+          <p:childTnLst>
+            <p:seq concurrent="1" nextAc="seek">
+              <p:cTn id="2" dur="indefinite" nodeType="mainSeq">
+                <p:childTnLst>
+                  <p:par>
+                    <p:cTn id="3" fill="hold">
+                      <p:stCondLst>
+                        <p:cond delay="indefinite"/>
+                      </p:stCondLst>
+                      <p:childTnLst>
+                        <p:par>
+                          <p:cTn id="4" fill="hold">
+                            <p:stCondLst>
+                              <p:cond delay="0"/>
+                            </p:stCondLst>
+                            <p:childTnLst>
+                              <p:par>
+                                <p:cTn id="5" presetID="1" presetClass="entr" presetSubtype="0" fill="hold" grpId="0" nodeType="clickEffect">
+                                  <p:stCondLst>
+                                    <p:cond delay="0"/>
+                                  </p:stCondLst>
+                                  <p:childTnLst>
+                                    <p:set>
+                                      <p:cBhvr>
+                                        <p:cTn id="6" dur="1" fill="hold">
+                                          <p:stCondLst>
+                                            <p:cond delay="0"/>
+                                          </p:stCondLst>
+                                        </p:cTn>
+                                        <p:tgtEl>
+                                          <p:spTgt spid="3">
+                                            <p:txEl>
+                                              <p:pRg st="0" end="0"/>
+                                            </p:txEl>
+                                          </p:spTgt>
+                                        </p:tgtEl>
+                                        <p:attrNameLst>
+                                          <p:attrName>style.visibility</p:attrName>
+                                        </p:attrNameLst>
+                                      </p:cBhvr>
+                                      <p:to>
+                                        <p:strVal val="visible"/>
+                                      </p:to>
+                                    </p:set>
+                                  </p:childTnLst>
+                                </p:cTn>
+                              </p:par>
+                            </p:childTnLst>
+                          </p:cTn>
+                        </p:par>
+                      </p:childTnLst>
+                    </p:cTn>
+                  </p:par>
+                  <p:par>
+                    <p:cTn id="7" fill="hold">
+                      <p:stCondLst>
+                        <p:cond delay="indefinite"/>
+                      </p:stCondLst>
+                      <p:childTnLst>
+                        <p:par>
+                          <p:cTn id="8" fill="hold">
+                            <p:stCondLst>
+                              <p:cond delay="0"/>
+                            </p:stCondLst>
+                            <p:childTnLst>
+                              <p:par>
+                                <p:cTn id="9" presetID="1" presetClass="entr" presetSubtype="0" fill="hold" grpId="0" nodeType="clickEffect">
+                                  <p:stCondLst>
+                                    <p:cond delay="0"/>
+                                  </p:stCondLst>
+                                  <p:childTnLst>
+                                    <p:set>
+                                      <p:cBhvr>
+                                        <p:cTn id="10" dur="1" fill="hold">
+                                          <p:stCondLst>
+                                            <p:cond delay="0"/>
+                                          </p:stCondLst>
+                                        </p:cTn>
+                                        <p:tgtEl>
+                                          <p:spTgt spid="3">
+                                            <p:txEl>
+                                              <p:pRg st="2" end="2"/>
+                                            </p:txEl>
+                                          </p:spTgt>
+                                        </p:tgtEl>
+                                        <p:attrNameLst>
+                                          <p:attrName>style.visibility</p:attrName>
+                                        </p:attrNameLst>
+                                      </p:cBhvr>
+                                      <p:to>
+                                        <p:strVal val="visible"/>
+                                      </p:to>
+                                    </p:set>
+                                  </p:childTnLst>
+                                </p:cTn>
+                              </p:par>
+                            </p:childTnLst>
+                          </p:cTn>
+                        </p:par>
+                      </p:childTnLst>
+                    </p:cTn>
+                  </p:par>
+                  <p:par>
+                    <p:cTn id="11" fill="hold">
+                      <p:stCondLst>
+                        <p:cond delay="indefinite"/>
+                      </p:stCondLst>
+                      <p:childTnLst>
+                        <p:par>
+                          <p:cTn id="12" fill="hold">
+                            <p:stCondLst>
+                              <p:cond delay="0"/>
+                            </p:stCondLst>
+                            <p:childTnLst>
+                              <p:par>
+                                <p:cTn id="13" presetID="1" presetClass="entr" presetSubtype="0" fill="hold" grpId="0" nodeType="clickEffect">
+                                  <p:stCondLst>
+                                    <p:cond delay="0"/>
+                                  </p:stCondLst>
+                                  <p:childTnLst>
+                                    <p:set>
+                                      <p:cBhvr>
+                                        <p:cTn id="14" dur="1" fill="hold">
+                                          <p:stCondLst>
+                                            <p:cond delay="0"/>
+                                          </p:stCondLst>
+                                        </p:cTn>
+                                        <p:tgtEl>
+                                          <p:spTgt spid="3">
+                                            <p:txEl>
+                                              <p:pRg st="3" end="3"/>
+                                            </p:txEl>
+                                          </p:spTgt>
+                                        </p:tgtEl>
+                                        <p:attrNameLst>
+                                          <p:attrName>style.visibility</p:attrName>
+                                        </p:attrNameLst>
+                                      </p:cBhvr>
+                                      <p:to>
+                                        <p:strVal val="visible"/>
+                                      </p:to>
+                                    </p:set>
+                                  </p:childTnLst>
+                                </p:cTn>
+                              </p:par>
+                            </p:childTnLst>
+                          </p:cTn>
+                        </p:par>
+                      </p:childTnLst>
+                    </p:cTn>
+                  </p:par>
+                  <p:par>
+                    <p:cTn id="15" fill="hold">
+                      <p:stCondLst>
+                        <p:cond delay="indefinite"/>
+                      </p:stCondLst>
+                      <p:childTnLst>
+                        <p:par>
+                          <p:cTn id="16" fill="hold">
+                            <p:stCondLst>
+                              <p:cond delay="0"/>
+                            </p:stCondLst>
+                            <p:childTnLst>
+                              <p:par>
+                                <p:cTn id="17" presetID="1" presetClass="entr" presetSubtype="0" fill="hold" grpId="0" nodeType="clickEffect">
+                                  <p:stCondLst>
+                                    <p:cond delay="0"/>
+                                  </p:stCondLst>
+                                  <p:childTnLst>
+                                    <p:set>
+                                      <p:cBhvr>
+                                        <p:cTn id="18" dur="1" fill="hold">
+                                          <p:stCondLst>
+                                            <p:cond delay="0"/>
+                                          </p:stCondLst>
+                                        </p:cTn>
+                                        <p:tgtEl>
+                                          <p:spTgt spid="3">
+                                            <p:txEl>
+                                              <p:pRg st="4" end="4"/>
+                                            </p:txEl>
+                                          </p:spTgt>
+                                        </p:tgtEl>
+                                        <p:attrNameLst>
+                                          <p:attrName>style.visibility</p:attrName>
+                                        </p:attrNameLst>
+                                      </p:cBhvr>
+                                      <p:to>
+                                        <p:strVal val="visible"/>
+                                      </p:to>
+                                    </p:set>
+                                  </p:childTnLst>
+                                </p:cTn>
+                              </p:par>
+                            </p:childTnLst>
+                          </p:cTn>
+                        </p:par>
+                      </p:childTnLst>
+                    </p:cTn>
+                  </p:par>
+                </p:childTnLst>
+              </p:cTn>
+              <p:prevCondLst>
+                <p:cond evt="onPrev" delay="0">
+                  <p:tgtEl>
+                    <p:sldTgt/>
+                  </p:tgtEl>
+                </p:cond>
+              </p:prevCondLst>
+              <p:nextCondLst>
+                <p:cond evt="onNext" delay="0">
+                  <p:tgtEl>
+                    <p:sldTgt/>
+                  </p:tgtEl>
+                </p:cond>
+              </p:nextCondLst>
+            </p:seq>
+          </p:childTnLst>
+        </p:cTn>
       </p:par>
     </p:tnLst>
+    <p:bldLst>
+      <p:bldP spid="3" grpId="0" build="p"/>
+    </p:bldLst>
   </p:timing>
 </p:sld>
 </file>
@@ -5523,6 +6258,284 @@
   <p:clrMapOvr>
     <a:masterClrMapping/>
   </p:clrMapOvr>
+  <p:timing>
+    <p:tnLst>
+      <p:par>
+        <p:cTn id="1" dur="indefinite" restart="never" nodeType="tmRoot">
+          <p:childTnLst>
+            <p:seq concurrent="1" nextAc="seek">
+              <p:cTn id="2" dur="indefinite" nodeType="mainSeq">
+                <p:childTnLst>
+                  <p:par>
+                    <p:cTn id="3" fill="hold">
+                      <p:stCondLst>
+                        <p:cond delay="indefinite"/>
+                      </p:stCondLst>
+                      <p:childTnLst>
+                        <p:par>
+                          <p:cTn id="4" fill="hold">
+                            <p:stCondLst>
+                              <p:cond delay="0"/>
+                            </p:stCondLst>
+                            <p:childTnLst>
+                              <p:par>
+                                <p:cTn id="5" presetID="1" presetClass="entr" presetSubtype="0" fill="hold" grpId="0" nodeType="clickEffect">
+                                  <p:stCondLst>
+                                    <p:cond delay="0"/>
+                                  </p:stCondLst>
+                                  <p:childTnLst>
+                                    <p:set>
+                                      <p:cBhvr>
+                                        <p:cTn id="6" dur="1" fill="hold">
+                                          <p:stCondLst>
+                                            <p:cond delay="0"/>
+                                          </p:stCondLst>
+                                        </p:cTn>
+                                        <p:tgtEl>
+                                          <p:spTgt spid="3">
+                                            <p:txEl>
+                                              <p:pRg st="0" end="0"/>
+                                            </p:txEl>
+                                          </p:spTgt>
+                                        </p:tgtEl>
+                                        <p:attrNameLst>
+                                          <p:attrName>style.visibility</p:attrName>
+                                        </p:attrNameLst>
+                                      </p:cBhvr>
+                                      <p:to>
+                                        <p:strVal val="visible"/>
+                                      </p:to>
+                                    </p:set>
+                                  </p:childTnLst>
+                                </p:cTn>
+                              </p:par>
+                            </p:childTnLst>
+                          </p:cTn>
+                        </p:par>
+                      </p:childTnLst>
+                    </p:cTn>
+                  </p:par>
+                  <p:par>
+                    <p:cTn id="7" fill="hold">
+                      <p:stCondLst>
+                        <p:cond delay="indefinite"/>
+                      </p:stCondLst>
+                      <p:childTnLst>
+                        <p:par>
+                          <p:cTn id="8" fill="hold">
+                            <p:stCondLst>
+                              <p:cond delay="0"/>
+                            </p:stCondLst>
+                            <p:childTnLst>
+                              <p:par>
+                                <p:cTn id="9" presetID="1" presetClass="entr" presetSubtype="0" fill="hold" grpId="0" nodeType="clickEffect">
+                                  <p:stCondLst>
+                                    <p:cond delay="0"/>
+                                  </p:stCondLst>
+                                  <p:childTnLst>
+                                    <p:set>
+                                      <p:cBhvr>
+                                        <p:cTn id="10" dur="1" fill="hold">
+                                          <p:stCondLst>
+                                            <p:cond delay="0"/>
+                                          </p:stCondLst>
+                                        </p:cTn>
+                                        <p:tgtEl>
+                                          <p:spTgt spid="3">
+                                            <p:txEl>
+                                              <p:pRg st="2" end="2"/>
+                                            </p:txEl>
+                                          </p:spTgt>
+                                        </p:tgtEl>
+                                        <p:attrNameLst>
+                                          <p:attrName>style.visibility</p:attrName>
+                                        </p:attrNameLst>
+                                      </p:cBhvr>
+                                      <p:to>
+                                        <p:strVal val="visible"/>
+                                      </p:to>
+                                    </p:set>
+                                  </p:childTnLst>
+                                </p:cTn>
+                              </p:par>
+                            </p:childTnLst>
+                          </p:cTn>
+                        </p:par>
+                      </p:childTnLst>
+                    </p:cTn>
+                  </p:par>
+                  <p:par>
+                    <p:cTn id="11" fill="hold">
+                      <p:stCondLst>
+                        <p:cond delay="indefinite"/>
+                      </p:stCondLst>
+                      <p:childTnLst>
+                        <p:par>
+                          <p:cTn id="12" fill="hold">
+                            <p:stCondLst>
+                              <p:cond delay="0"/>
+                            </p:stCondLst>
+                            <p:childTnLst>
+                              <p:par>
+                                <p:cTn id="13" presetID="1" presetClass="entr" presetSubtype="0" fill="hold" grpId="0" nodeType="clickEffect">
+                                  <p:stCondLst>
+                                    <p:cond delay="0"/>
+                                  </p:stCondLst>
+                                  <p:childTnLst>
+                                    <p:set>
+                                      <p:cBhvr>
+                                        <p:cTn id="14" dur="1" fill="hold">
+                                          <p:stCondLst>
+                                            <p:cond delay="0"/>
+                                          </p:stCondLst>
+                                        </p:cTn>
+                                        <p:tgtEl>
+                                          <p:spTgt spid="3">
+                                            <p:txEl>
+                                              <p:pRg st="3" end="3"/>
+                                            </p:txEl>
+                                          </p:spTgt>
+                                        </p:tgtEl>
+                                        <p:attrNameLst>
+                                          <p:attrName>style.visibility</p:attrName>
+                                        </p:attrNameLst>
+                                      </p:cBhvr>
+                                      <p:to>
+                                        <p:strVal val="visible"/>
+                                      </p:to>
+                                    </p:set>
+                                  </p:childTnLst>
+                                </p:cTn>
+                              </p:par>
+                            </p:childTnLst>
+                          </p:cTn>
+                        </p:par>
+                      </p:childTnLst>
+                    </p:cTn>
+                  </p:par>
+                  <p:par>
+                    <p:cTn id="15" fill="hold">
+                      <p:stCondLst>
+                        <p:cond delay="indefinite"/>
+                      </p:stCondLst>
+                      <p:childTnLst>
+                        <p:par>
+                          <p:cTn id="16" fill="hold">
+                            <p:stCondLst>
+                              <p:cond delay="0"/>
+                            </p:stCondLst>
+                            <p:childTnLst>
+                              <p:par>
+                                <p:cTn id="17" presetID="1" presetClass="entr" presetSubtype="0" fill="hold" grpId="0" nodeType="clickEffect">
+                                  <p:stCondLst>
+                                    <p:cond delay="0"/>
+                                  </p:stCondLst>
+                                  <p:childTnLst>
+                                    <p:set>
+                                      <p:cBhvr>
+                                        <p:cTn id="18" dur="1" fill="hold">
+                                          <p:stCondLst>
+                                            <p:cond delay="0"/>
+                                          </p:stCondLst>
+                                        </p:cTn>
+                                        <p:tgtEl>
+                                          <p:spTgt spid="3">
+                                            <p:txEl>
+                                              <p:pRg st="4" end="4"/>
+                                            </p:txEl>
+                                          </p:spTgt>
+                                        </p:tgtEl>
+                                        <p:attrNameLst>
+                                          <p:attrName>style.visibility</p:attrName>
+                                        </p:attrNameLst>
+                                      </p:cBhvr>
+                                      <p:to>
+                                        <p:strVal val="visible"/>
+                                      </p:to>
+                                    </p:set>
+                                  </p:childTnLst>
+                                </p:cTn>
+                              </p:par>
+                            </p:childTnLst>
+                          </p:cTn>
+                        </p:par>
+                      </p:childTnLst>
+                    </p:cTn>
+                  </p:par>
+                  <p:par>
+                    <p:cTn id="19" fill="hold">
+                      <p:stCondLst>
+                        <p:cond delay="indefinite"/>
+                      </p:stCondLst>
+                      <p:childTnLst>
+                        <p:par>
+                          <p:cTn id="20" fill="hold">
+                            <p:stCondLst>
+                              <p:cond delay="0"/>
+                            </p:stCondLst>
+                            <p:childTnLst>
+                              <p:par>
+                                <p:cTn id="21" presetID="1" presetClass="entr" presetSubtype="0" fill="hold" grpId="0" nodeType="clickEffect">
+                                  <p:stCondLst>
+                                    <p:cond delay="0"/>
+                                  </p:stCondLst>
+                                  <p:childTnLst>
+                                    <p:set>
+                                      <p:cBhvr>
+                                        <p:cTn id="22" dur="1" fill="hold">
+                                          <p:stCondLst>
+                                            <p:cond delay="0"/>
+                                          </p:stCondLst>
+                                        </p:cTn>
+                                        <p:tgtEl>
+                                          <p:spTgt spid="3">
+                                            <p:txEl>
+                                              <p:pRg st="6" end="6"/>
+                                            </p:txEl>
+                                          </p:spTgt>
+                                        </p:tgtEl>
+                                        <p:attrNameLst>
+                                          <p:attrName>style.visibility</p:attrName>
+                                        </p:attrNameLst>
+                                      </p:cBhvr>
+                                      <p:to>
+                                        <p:strVal val="visible"/>
+                                      </p:to>
+                                    </p:set>
+                                  </p:childTnLst>
+                                </p:cTn>
+                              </p:par>
+                            </p:childTnLst>
+                          </p:cTn>
+                        </p:par>
+                      </p:childTnLst>
+                    </p:cTn>
+                  </p:par>
+                </p:childTnLst>
+              </p:cTn>
+              <p:prevCondLst>
+                <p:cond evt="onPrev" delay="0">
+                  <p:tgtEl>
+                    <p:sldTgt/>
+                  </p:tgtEl>
+                </p:cond>
+              </p:prevCondLst>
+              <p:nextCondLst>
+                <p:cond evt="onNext" delay="0">
+                  <p:tgtEl>
+                    <p:sldTgt/>
+                  </p:tgtEl>
+                </p:cond>
+              </p:nextCondLst>
+            </p:seq>
+          </p:childTnLst>
+        </p:cTn>
+      </p:par>
+    </p:tnLst>
+    <p:bldLst>
+      <p:bldP spid="3" grpId="0" build="p"/>
+    </p:bldLst>
+  </p:timing>
 </p:sld>
 </file>
 

--- a/BDD.pptx
+++ b/BDD.pptx
@@ -6,10 +6,10 @@
     <p:sldMasterId id="2147483697" r:id="rId7"/>
   </p:sldMasterIdLst>
   <p:notesMasterIdLst>
-    <p:notesMasterId r:id="rId23"/>
+    <p:notesMasterId r:id="rId24"/>
   </p:notesMasterIdLst>
   <p:handoutMasterIdLst>
-    <p:handoutMasterId r:id="rId24"/>
+    <p:handoutMasterId r:id="rId25"/>
   </p:handoutMasterIdLst>
   <p:sldIdLst>
     <p:sldId id="264" r:id="rId8"/>
@@ -26,7 +26,8 @@
     <p:sldId id="273" r:id="rId19"/>
     <p:sldId id="274" r:id="rId20"/>
     <p:sldId id="276" r:id="rId21"/>
-    <p:sldId id="275" r:id="rId22"/>
+    <p:sldId id="279" r:id="rId22"/>
+    <p:sldId id="275" r:id="rId23"/>
   </p:sldIdLst>
   <p:sldSz cx="9144000" cy="6858000" type="screen4x3"/>
   <p:notesSz cx="7010400" cy="9296400"/>
@@ -412,7 +413,7 @@
             <a:fld id="{FEE93A03-1206-4179-8BFD-D87BEE1D9944}" type="datetimeFigureOut">
               <a:rPr lang="en-US" altLang="en-US"/>
               <a:pPr/>
-              <a:t>6/21/16</a:t>
+              <a:t>6/22/16</a:t>
             </a:fld>
             <a:endParaRPr lang="en-US" altLang="en-US"/>
           </a:p>
@@ -621,7 +622,7 @@
             <a:fld id="{23E2F853-0133-45EC-AB11-8D02543E75D3}" type="datetimeFigureOut">
               <a:rPr lang="en-US" altLang="en-US"/>
               <a:pPr/>
-              <a:t>6/21/16</a:t>
+              <a:t>6/22/16</a:t>
             </a:fld>
             <a:endParaRPr lang="en-US" altLang="en-US"/>
           </a:p>
@@ -1135,14 +1136,14 @@
           </a:ln>
           <a:extLst>
             <a:ext uri="{909E8E84-426E-40dd-AFC4-6F175D3DCCD1}">
-              <a14:hiddenFill xmlns:a14="http://schemas.microsoft.com/office/drawing/2010/main" xmlns="">
+              <a14:hiddenFill xmlns="" xmlns:a14="http://schemas.microsoft.com/office/drawing/2010/main">
                 <a:solidFill>
                   <a:srgbClr val="FFFFFF"/>
                 </a:solidFill>
               </a14:hiddenFill>
             </a:ext>
             <a:ext uri="{91240B29-F687-4f45-9708-019B960494DF}">
-              <a14:hiddenLine xmlns:a14="http://schemas.microsoft.com/office/drawing/2010/main" xmlns="" w="9525">
+              <a14:hiddenLine xmlns="" xmlns:a14="http://schemas.microsoft.com/office/drawing/2010/main" w="9525">
                 <a:solidFill>
                   <a:srgbClr val="000000"/>
                 </a:solidFill>
@@ -4256,7 +4257,21 @@
             </a:r>
             <a:r>
               <a:rPr lang="en-US" dirty="0" smtClean="0"/>
-              <a:t>thing correctly.</a:t>
+              <a:t>thing correctly</a:t>
+            </a:r>
+            <a:r>
+              <a:rPr lang="en-US" dirty="0" smtClean="0"/>
+              <a:t>.</a:t>
+            </a:r>
+          </a:p>
+          <a:p>
+            <a:pPr marL="285750" indent="-285750">
+              <a:buFont typeface="Arial" charset="0"/>
+              <a:buChar char="•"/>
+            </a:pPr>
+            <a:r>
+              <a:rPr lang="en-US" dirty="0" smtClean="0"/>
+              <a:t>Built in Requirements Traceability </a:t>
             </a:r>
           </a:p>
         </p:txBody>
@@ -4282,6 +4297,140 @@
 </file>
 
 <file path=ppt/slides/slide15.xml><?xml version="1.0" encoding="utf-8"?>
+<p:sld xmlns:a="http://schemas.openxmlformats.org/drawingml/2006/main" xmlns:r="http://schemas.openxmlformats.org/officeDocument/2006/relationships" xmlns:p="http://schemas.openxmlformats.org/presentationml/2006/main">
+  <p:cSld>
+    <p:spTree>
+      <p:nvGrpSpPr>
+        <p:cNvPr id="1" name=""/>
+        <p:cNvGrpSpPr/>
+        <p:nvPr/>
+      </p:nvGrpSpPr>
+      <p:grpSpPr>
+        <a:xfrm>
+          <a:off x="0" y="0"/>
+          <a:ext cx="0" cy="0"/>
+          <a:chOff x="0" y="0"/>
+          <a:chExt cx="0" cy="0"/>
+        </a:xfrm>
+      </p:grpSpPr>
+      <p:sp>
+        <p:nvSpPr>
+          <p:cNvPr id="2" name="Title 1"/>
+          <p:cNvSpPr>
+            <a:spLocks noGrp="1"/>
+          </p:cNvSpPr>
+          <p:nvPr>
+            <p:ph type="title"/>
+          </p:nvPr>
+        </p:nvSpPr>
+        <p:spPr/>
+        <p:txBody>
+          <a:bodyPr/>
+          <a:lstStyle/>
+          <a:p>
+            <a:r>
+              <a:rPr lang="en-US" dirty="0" smtClean="0"/>
+              <a:t>More Information on Cucumber</a:t>
+            </a:r>
+            <a:endParaRPr lang="en-US" dirty="0"/>
+          </a:p>
+        </p:txBody>
+      </p:sp>
+      <p:sp>
+        <p:nvSpPr>
+          <p:cNvPr id="3" name="Text Placeholder 2"/>
+          <p:cNvSpPr>
+            <a:spLocks noGrp="1"/>
+          </p:cNvSpPr>
+          <p:nvPr>
+            <p:ph type="body" sz="quarter" idx="12"/>
+          </p:nvPr>
+        </p:nvSpPr>
+        <p:spPr>
+          <a:xfrm>
+            <a:off x="457200" y="1366179"/>
+            <a:ext cx="8229600" cy="4652235"/>
+          </a:xfrm>
+        </p:spPr>
+        <p:txBody>
+          <a:bodyPr/>
+          <a:lstStyle/>
+          <a:p>
+            <a:pPr marL="285750">
+              <a:buFont typeface="Arial" charset="0"/>
+              <a:buChar char="•"/>
+            </a:pPr>
+            <a:r>
+              <a:rPr lang="en-US" dirty="0" smtClean="0"/>
+              <a:t> Cucumber Documentation</a:t>
+            </a:r>
+          </a:p>
+          <a:p>
+            <a:pPr marL="1028700" lvl="1">
+              <a:buFont typeface="Arial" charset="0"/>
+              <a:buChar char="•"/>
+            </a:pPr>
+            <a:r>
+              <a:rPr lang="en-US" dirty="0">
+                <a:hlinkClick r:id="rId2"/>
+              </a:rPr>
+              <a:t>https://</a:t>
+            </a:r>
+            <a:r>
+              <a:rPr lang="en-US" dirty="0" smtClean="0">
+                <a:hlinkClick r:id="rId2"/>
+              </a:rPr>
+              <a:t>cucumber.io/docs</a:t>
+            </a:r>
+            <a:endParaRPr lang="en-US" dirty="0" smtClean="0"/>
+          </a:p>
+          <a:p>
+            <a:pPr marL="285750">
+              <a:buFont typeface="Arial" charset="0"/>
+              <a:buChar char="•"/>
+            </a:pPr>
+            <a:r>
+              <a:rPr lang="en-US" dirty="0"/>
+              <a:t> </a:t>
+            </a:r>
+            <a:r>
+              <a:rPr lang="en-US" dirty="0" smtClean="0"/>
+              <a:t>The Cucumber Book: BDD for Testers and Developers</a:t>
+            </a:r>
+          </a:p>
+          <a:p>
+            <a:pPr marL="1028700" lvl="1">
+              <a:buFont typeface="Arial" charset="0"/>
+              <a:buChar char="•"/>
+            </a:pPr>
+            <a:r>
+              <a:rPr lang="en-US" dirty="0" smtClean="0"/>
+              <a:t>ISBN: 978-1-93435-680-7</a:t>
+            </a:r>
+          </a:p>
+          <a:p>
+            <a:pPr marL="1028700" lvl="1">
+              <a:buFont typeface="Arial" charset="0"/>
+              <a:buChar char="•"/>
+            </a:pPr>
+            <a:endParaRPr lang="en-US" dirty="0"/>
+          </a:p>
+        </p:txBody>
+      </p:sp>
+    </p:spTree>
+    <p:extLst>
+      <p:ext uri="{BB962C8B-B14F-4D97-AF65-F5344CB8AC3E}">
+        <p14:creationId xmlns:p14="http://schemas.microsoft.com/office/powerpoint/2010/main" val="1303975052"/>
+      </p:ext>
+    </p:extLst>
+  </p:cSld>
+  <p:clrMapOvr>
+    <a:masterClrMapping/>
+  </p:clrMapOvr>
+</p:sld>
+</file>
+
+<file path=ppt/slides/slide16.xml><?xml version="1.0" encoding="utf-8"?>
 <p:sld xmlns:a="http://schemas.openxmlformats.org/drawingml/2006/main" xmlns:r="http://schemas.openxmlformats.org/officeDocument/2006/relationships" xmlns:p="http://schemas.openxmlformats.org/presentationml/2006/main">
   <p:cSld>
     <p:spTree>

--- a/BDD.pptx
+++ b/BDD.pptx
@@ -4382,6 +4382,13 @@
               </a:rPr>
               <a:t>cucumber.io/docs</a:t>
             </a:r>
+            <a:endParaRPr lang="en-US" dirty="0"/>
+          </a:p>
+          <a:p>
+            <a:pPr marL="1028700" lvl="1">
+              <a:buFont typeface="Arial" charset="0"/>
+              <a:buChar char="•"/>
+            </a:pPr>
             <a:endParaRPr lang="en-US" dirty="0" smtClean="0"/>
           </a:p>
           <a:p>
